--- a/Aulas/ApresentacaoEIntroducaoAESSGraduacao/SEIntroduction.pptx
+++ b/Aulas/ApresentacaoEIntroducaoAESSGraduacao/SEIntroduction.pptx
@@ -7,6 +7,9 @@
   <p:notesMasterIdLst>
     <p:notesMasterId r:id="rId44"/>
   </p:notesMasterIdLst>
+  <p:handoutMasterIdLst>
+    <p:handoutMasterId r:id="rId45"/>
+  </p:handoutMasterIdLst>
   <p:sldIdLst>
     <p:sldId id="257" r:id="rId2"/>
     <p:sldId id="258" r:id="rId3"/>
@@ -354,6 +357,166 @@
 </p:presentation>
 </file>
 
+<file path=ppt/handoutMasters/handoutMaster1.xml><?xml version="1.0" encoding="utf-8"?>
+<p:handoutMaster xmlns:a="http://schemas.openxmlformats.org/drawingml/2006/main" xmlns:r="http://schemas.openxmlformats.org/officeDocument/2006/relationships" xmlns:p="http://schemas.openxmlformats.org/presentationml/2006/main">
+  <p:cSld>
+    <p:bg>
+      <p:bgRef idx="1001">
+        <a:schemeClr val="bg1"/>
+      </p:bgRef>
+    </p:bg>
+    <p:spTree>
+      <p:nvGrpSpPr>
+        <p:cNvPr id="1" name=""/>
+        <p:cNvGrpSpPr/>
+        <p:nvPr/>
+      </p:nvGrpSpPr>
+      <p:grpSpPr>
+        <a:xfrm>
+          <a:off x="0" y="0"/>
+          <a:ext cx="0" cy="0"/>
+          <a:chOff x="0" y="0"/>
+          <a:chExt cx="0" cy="0"/>
+        </a:xfrm>
+      </p:grpSpPr>
+      <p:sp>
+        <p:nvSpPr>
+          <p:cNvPr id="2" name="Espaço Reservado para Cabeçalho 1"/>
+          <p:cNvSpPr>
+            <a:spLocks noGrp="1"/>
+          </p:cNvSpPr>
+          <p:nvPr>
+            <p:ph type="hdr" sz="quarter"/>
+          </p:nvPr>
+        </p:nvSpPr>
+        <p:spPr>
+          <a:xfrm>
+            <a:off x="0" y="0"/>
+            <a:ext cx="2971800" cy="457200"/>
+          </a:xfrm>
+          <a:prstGeom prst="rect">
+            <a:avLst/>
+          </a:prstGeom>
+        </p:spPr>
+        <p:txBody>
+          <a:bodyPr vert="horz" lIns="91440" tIns="45720" rIns="91440" bIns="45720" rtlCol="0"/>
+          <a:lstStyle>
+            <a:lvl1pPr algn="l">
+              <a:defRPr sz="1200"/>
+            </a:lvl1pPr>
+          </a:lstStyle>
+          <a:p>
+            <a:endParaRPr lang="pt-BR"/>
+          </a:p>
+        </p:txBody>
+      </p:sp>
+      <p:sp>
+        <p:nvSpPr>
+          <p:cNvPr id="3" name="Espaço Reservado para Data 2"/>
+          <p:cNvSpPr>
+            <a:spLocks noGrp="1"/>
+          </p:cNvSpPr>
+          <p:nvPr>
+            <p:ph type="dt" sz="quarter" idx="1"/>
+          </p:nvPr>
+        </p:nvSpPr>
+        <p:spPr>
+          <a:xfrm>
+            <a:off x="3884613" y="0"/>
+            <a:ext cx="2971800" cy="457200"/>
+          </a:xfrm>
+          <a:prstGeom prst="rect">
+            <a:avLst/>
+          </a:prstGeom>
+        </p:spPr>
+        <p:txBody>
+          <a:bodyPr vert="horz" lIns="91440" tIns="45720" rIns="91440" bIns="45720" rtlCol="0"/>
+          <a:lstStyle>
+            <a:lvl1pPr algn="r">
+              <a:defRPr sz="1200"/>
+            </a:lvl1pPr>
+          </a:lstStyle>
+          <a:p>
+            <a:fld id="{7F28FAA1-E86E-449A-830D-886469D93A26}" type="datetimeFigureOut">
+              <a:rPr lang="pt-BR" smtClean="0"/>
+              <a:t>12/7/2022</a:t>
+            </a:fld>
+            <a:endParaRPr lang="pt-BR"/>
+          </a:p>
+        </p:txBody>
+      </p:sp>
+      <p:sp>
+        <p:nvSpPr>
+          <p:cNvPr id="4" name="Espaço Reservado para Rodapé 3"/>
+          <p:cNvSpPr>
+            <a:spLocks noGrp="1"/>
+          </p:cNvSpPr>
+          <p:nvPr>
+            <p:ph type="ftr" sz="quarter" idx="2"/>
+          </p:nvPr>
+        </p:nvSpPr>
+        <p:spPr>
+          <a:xfrm>
+            <a:off x="0" y="8685213"/>
+            <a:ext cx="2971800" cy="457200"/>
+          </a:xfrm>
+          <a:prstGeom prst="rect">
+            <a:avLst/>
+          </a:prstGeom>
+        </p:spPr>
+        <p:txBody>
+          <a:bodyPr vert="horz" lIns="91440" tIns="45720" rIns="91440" bIns="45720" rtlCol="0" anchor="b"/>
+          <a:lstStyle>
+            <a:lvl1pPr algn="l">
+              <a:defRPr sz="1200"/>
+            </a:lvl1pPr>
+          </a:lstStyle>
+          <a:p>
+            <a:endParaRPr lang="pt-BR"/>
+          </a:p>
+        </p:txBody>
+      </p:sp>
+      <p:sp>
+        <p:nvSpPr>
+          <p:cNvPr id="5" name="Espaço Reservado para Número de Slide 4"/>
+          <p:cNvSpPr>
+            <a:spLocks noGrp="1"/>
+          </p:cNvSpPr>
+          <p:nvPr>
+            <p:ph type="sldNum" sz="quarter" idx="3"/>
+          </p:nvPr>
+        </p:nvSpPr>
+        <p:spPr>
+          <a:xfrm>
+            <a:off x="3884613" y="8685213"/>
+            <a:ext cx="2971800" cy="457200"/>
+          </a:xfrm>
+          <a:prstGeom prst="rect">
+            <a:avLst/>
+          </a:prstGeom>
+        </p:spPr>
+        <p:txBody>
+          <a:bodyPr vert="horz" lIns="91440" tIns="45720" rIns="91440" bIns="45720" rtlCol="0" anchor="b"/>
+          <a:lstStyle>
+            <a:lvl1pPr algn="r">
+              <a:defRPr sz="1200"/>
+            </a:lvl1pPr>
+          </a:lstStyle>
+          <a:p>
+            <a:fld id="{477666F1-F1DB-4122-959E-B3AE87961CC9}" type="slidenum">
+              <a:rPr lang="pt-BR" smtClean="0"/>
+              <a:t>‹nº›</a:t>
+            </a:fld>
+            <a:endParaRPr lang="pt-BR"/>
+          </a:p>
+        </p:txBody>
+      </p:sp>
+    </p:spTree>
+  </p:cSld>
+  <p:clrMap bg1="lt1" tx1="dk1" bg2="lt2" tx2="dk2" accent1="accent1" accent2="accent2" accent3="accent3" accent4="accent4" accent5="accent5" accent6="accent6" hlink="hlink" folHlink="folHlink"/>
+</p:handoutMaster>
+</file>
+
 <file path=ppt/notesMasters/notesMaster1.xml><?xml version="1.0" encoding="utf-8"?>
 <p:notesMaster xmlns:a="http://schemas.openxmlformats.org/drawingml/2006/main" xmlns:r="http://schemas.openxmlformats.org/officeDocument/2006/relationships" xmlns:p="http://schemas.openxmlformats.org/presentationml/2006/main">
   <p:cSld>
@@ -5743,7 +5906,7 @@
           </a:ln>
           <a:extLst>
             <a:ext uri="{C572A759-6A51-4108-AA02-DFA0A04FC94B}">
-              <ma14:wrappingTextBoxFlag xmlns:ma14="http://schemas.microsoft.com/office/mac/drawingml/2011/main" xmlns:a14="http://schemas.microsoft.com/office/drawing/2010/main" xmlns:m="http://schemas.openxmlformats.org/officeDocument/2006/math" xmlns="" val="1"/>
+              <ma14:wrappingTextBoxFlag xmlns="" xmlns:m="http://schemas.openxmlformats.org/officeDocument/2006/math" xmlns:a14="http://schemas.microsoft.com/office/drawing/2010/main" xmlns:ma14="http://schemas.microsoft.com/office/mac/drawingml/2011/main" val="1"/>
             </a:ext>
           </a:extLst>
         </p:spPr>
@@ -5804,7 +5967,7 @@
           </a:ln>
           <a:extLst>
             <a:ext uri="{C572A759-6A51-4108-AA02-DFA0A04FC94B}">
-              <ma14:wrappingTextBoxFlag xmlns:ma14="http://schemas.microsoft.com/office/mac/drawingml/2011/main" xmlns:a14="http://schemas.microsoft.com/office/drawing/2010/main" xmlns:m="http://schemas.openxmlformats.org/officeDocument/2006/math" xmlns="" val="1"/>
+              <ma14:wrappingTextBoxFlag xmlns="" xmlns:m="http://schemas.openxmlformats.org/officeDocument/2006/math" xmlns:a14="http://schemas.microsoft.com/office/drawing/2010/main" xmlns:ma14="http://schemas.microsoft.com/office/mac/drawingml/2011/main" val="1"/>
             </a:ext>
           </a:extLst>
         </p:spPr>
@@ -6613,6 +6776,16 @@
 <file path=ppt/slides/slide1.xml><?xml version="1.0" encoding="utf-8"?>
 <p:sld xmlns:a="http://schemas.openxmlformats.org/drawingml/2006/main" xmlns:r="http://schemas.openxmlformats.org/officeDocument/2006/relationships" xmlns:p="http://schemas.openxmlformats.org/presentationml/2006/main">
   <p:cSld>
+    <p:bg>
+      <p:bgPr>
+        <a:solidFill>
+          <a:srgbClr val="FFFFFF">
+            <a:alpha val="0"/>
+          </a:srgbClr>
+        </a:solidFill>
+        <a:effectLst/>
+      </p:bgPr>
+    </p:bg>
     <p:spTree>
       <p:nvGrpSpPr>
         <p:cNvPr id="1" name=""/>
@@ -6649,29 +6822,58 @@
           <a:lstStyle/>
           <a:p>
             <a:r>
+              <a:rPr>
+                <a:solidFill>
+                  <a:schemeClr val="tx1"/>
+                </a:solidFill>
+              </a:rPr>
               <a:t>Software </a:t>
             </a:r>
             <a:r>
-              <a:rPr/>
+              <a:rPr>
+                <a:solidFill>
+                  <a:schemeClr val="tx1"/>
+                </a:solidFill>
+              </a:rPr>
               <a:t>and </a:t>
             </a:r>
             <a:r>
-              <a:rPr lang="en-US" dirty="0" smtClean="0"/>
+              <a:rPr lang="en-US" dirty="0" smtClean="0">
+                <a:solidFill>
+                  <a:schemeClr val="tx1"/>
+                </a:solidFill>
+              </a:rPr>
               <a:t>S</a:t>
             </a:r>
             <a:r>
-              <a:rPr smtClean="0"/>
+              <a:rPr smtClean="0">
+                <a:solidFill>
+                  <a:schemeClr val="tx1"/>
+                </a:solidFill>
+              </a:rPr>
               <a:t>ystems </a:t>
             </a:r>
             <a:r>
-              <a:rPr lang="en-US" dirty="0" smtClean="0"/>
+              <a:rPr lang="en-US" dirty="0" smtClean="0">
+                <a:solidFill>
+                  <a:schemeClr val="tx1"/>
+                </a:solidFill>
+              </a:rPr>
               <a:t>E</a:t>
             </a:r>
             <a:r>
-              <a:rPr smtClean="0"/>
+              <a:rPr smtClean="0">
+                <a:solidFill>
+                  <a:schemeClr val="tx1"/>
+                </a:solidFill>
+              </a:rPr>
               <a:t>ngineering</a:t>
             </a:r>
-            <a:endParaRPr/>
+            <a:endParaRPr>
+              <a:solidFill>
+                <a:schemeClr val="tx1"/>
+              </a:solidFill>
+            </a:endParaRPr>
           </a:p>
         </p:txBody>
       </p:sp>
@@ -6699,17 +6901,34 @@
           <a:lstStyle/>
           <a:p>
             <a:r>
-              <a:rPr lang="en-US" dirty="0" smtClean="0"/>
+              <a:rPr lang="en-US" dirty="0" smtClean="0">
+                <a:solidFill>
+                  <a:schemeClr val="tx1"/>
+                </a:solidFill>
+              </a:rPr>
               <a:t>Marcelo </a:t>
             </a:r>
             <a:r>
-              <a:rPr lang="en-US" dirty="0" err="1" smtClean="0"/>
+              <a:rPr lang="en-US" dirty="0" err="1" smtClean="0">
+                <a:solidFill>
+                  <a:schemeClr val="tx1"/>
+                </a:solidFill>
+              </a:rPr>
               <a:t>d’Amorim</a:t>
             </a:r>
-            <a:endParaRPr/>
-          </a:p>
-          <a:p>
-            <a:r>
+            <a:endParaRPr>
+              <a:solidFill>
+                <a:schemeClr val="tx1"/>
+              </a:solidFill>
+            </a:endParaRPr>
+          </a:p>
+          <a:p>
+            <a:r>
+              <a:rPr>
+                <a:solidFill>
+                  <a:schemeClr val="tx1"/>
+                </a:solidFill>
+              </a:rPr>
               <a:t>Federal University of Pernambuco</a:t>
             </a:r>
           </a:p>
@@ -6734,7 +6953,7 @@
           </a:ln>
           <a:extLst>
             <a:ext uri="{C572A759-6A51-4108-AA02-DFA0A04FC94B}">
-              <ma14:wrappingTextBoxFlag xmlns:ma14="http://schemas.microsoft.com/office/mac/drawingml/2011/main" xmlns:a14="http://schemas.microsoft.com/office/drawing/2010/main" xmlns:m="http://schemas.openxmlformats.org/officeDocument/2006/math" xmlns="" val="1"/>
+              <ma14:wrappingTextBoxFlag xmlns="" xmlns:m="http://schemas.openxmlformats.org/officeDocument/2006/math" xmlns:a14="http://schemas.microsoft.com/office/drawing/2010/main" xmlns:ma14="http://schemas.microsoft.com/office/mac/drawingml/2011/main" val="1"/>
             </a:ext>
           </a:extLst>
         </p:spPr>
@@ -6949,6 +7168,16 @@
 <file path=ppt/slides/slide10.xml><?xml version="1.0" encoding="utf-8"?>
 <p:sld xmlns:a="http://schemas.openxmlformats.org/drawingml/2006/main" xmlns:r="http://schemas.openxmlformats.org/officeDocument/2006/relationships" xmlns:p="http://schemas.openxmlformats.org/presentationml/2006/main">
   <p:cSld>
+    <p:bg>
+      <p:bgPr>
+        <a:solidFill>
+          <a:srgbClr val="FFFFFF">
+            <a:alpha val="0"/>
+          </a:srgbClr>
+        </a:solidFill>
+        <a:effectLst/>
+      </p:bgPr>
+    </p:bg>
     <p:spTree>
       <p:nvGrpSpPr>
         <p:cNvPr id="1" name=""/>
@@ -6990,6 +7219,11 @@
               <a:defRPr sz="6000"/>
             </a:pPr>
             <a:r>
+              <a:rPr>
+                <a:solidFill>
+                  <a:schemeClr val="tx1"/>
+                </a:solidFill>
+              </a:rPr>
               <a:t>Most software today is very much like an Egyptian pyramid with millions of bricks piled on top of each other, with no structural integrity, but just done by brute force and thousands of slaves.</a:t>
             </a:r>
           </a:p>
@@ -6998,6 +7232,11 @@
               <a:defRPr sz="4400"/>
             </a:pPr>
             <a:r>
+              <a:rPr>
+                <a:solidFill>
+                  <a:schemeClr val="tx1"/>
+                </a:solidFill>
+              </a:rPr>
               <a:t>Alan Kay</a:t>
             </a:r>
           </a:p>
@@ -7007,6 +7246,9 @@
             </a:pPr>
             <a:r>
               <a:rPr u="sng">
+                <a:solidFill>
+                  <a:schemeClr val="tx1"/>
+                </a:solidFill>
                 <a:hlinkClick r:id="rId3"/>
               </a:rPr>
               <a:t>http://en.wikipedia.org/wiki/Alan_Kay</a:t>
@@ -7033,6 +7275,16 @@
 <file path=ppt/slides/slide11.xml><?xml version="1.0" encoding="utf-8"?>
 <p:sld xmlns:a="http://schemas.openxmlformats.org/drawingml/2006/main" xmlns:r="http://schemas.openxmlformats.org/officeDocument/2006/relationships" xmlns:p="http://schemas.openxmlformats.org/presentationml/2006/main">
   <p:cSld>
+    <p:bg>
+      <p:bgPr>
+        <a:solidFill>
+          <a:srgbClr val="FFFFFF">
+            <a:alpha val="0"/>
+          </a:srgbClr>
+        </a:solidFill>
+        <a:effectLst/>
+      </p:bgPr>
+    </p:bg>
     <p:spTree>
       <p:nvGrpSpPr>
         <p:cNvPr id="1" name=""/>
@@ -7095,6 +7347,16 @@
 <file path=ppt/slides/slide12.xml><?xml version="1.0" encoding="utf-8"?>
 <p:sld xmlns:a="http://schemas.openxmlformats.org/drawingml/2006/main" xmlns:r="http://schemas.openxmlformats.org/officeDocument/2006/relationships" xmlns:p="http://schemas.openxmlformats.org/presentationml/2006/main">
   <p:cSld>
+    <p:bg>
+      <p:bgPr>
+        <a:solidFill>
+          <a:srgbClr val="FFFFFF">
+            <a:alpha val="0"/>
+          </a:srgbClr>
+        </a:solidFill>
+        <a:effectLst/>
+      </p:bgPr>
+    </p:bg>
     <p:spTree>
       <p:nvGrpSpPr>
         <p:cNvPr id="1" name=""/>
@@ -7133,32 +7395,57 @@
           <a:lstStyle/>
           <a:p>
             <a:r>
+              <a:rPr>
+                <a:solidFill>
+                  <a:schemeClr val="tx1"/>
+                </a:solidFill>
+              </a:rPr>
               <a:t>focus </a:t>
             </a:r>
           </a:p>
           <a:p>
             <a:r>
+              <a:rPr>
+                <a:solidFill>
+                  <a:schemeClr val="tx1"/>
+                </a:solidFill>
+              </a:rPr>
               <a:t>on how to do it?</a:t>
             </a:r>
           </a:p>
           <a:p>
             <a:r>
+              <a:rPr>
+                <a:solidFill>
+                  <a:schemeClr val="tx1"/>
+                </a:solidFill>
+              </a:rPr>
               <a:t>vs</a:t>
             </a:r>
           </a:p>
           <a:p>
             <a:r>
+              <a:rPr>
+                <a:solidFill>
+                  <a:schemeClr val="tx1"/>
+                </a:solidFill>
+              </a:rPr>
               <a:t>on how to do it </a:t>
             </a:r>
             <a:r>
               <a:rPr>
                 <a:solidFill>
-                  <a:srgbClr val="FEFB27"/>
+                  <a:schemeClr val="tx1"/>
                 </a:solidFill>
               </a:rPr>
               <a:t>right</a:t>
             </a:r>
             <a:r>
+              <a:rPr>
+                <a:solidFill>
+                  <a:schemeClr val="tx1"/>
+                </a:solidFill>
+              </a:rPr>
               <a:t>?</a:t>
             </a:r>
           </a:p>
@@ -7183,6 +7470,16 @@
 <file path=ppt/slides/slide13.xml><?xml version="1.0" encoding="utf-8"?>
 <p:sld xmlns:a="http://schemas.openxmlformats.org/drawingml/2006/main" xmlns:r="http://schemas.openxmlformats.org/officeDocument/2006/relationships" xmlns:p="http://schemas.openxmlformats.org/presentationml/2006/main">
   <p:cSld>
+    <p:bg>
+      <p:bgPr>
+        <a:solidFill>
+          <a:srgbClr val="FFFFFF">
+            <a:alpha val="0"/>
+          </a:srgbClr>
+        </a:solidFill>
+        <a:effectLst/>
+      </p:bgPr>
+    </p:bg>
     <p:spTree>
       <p:nvGrpSpPr>
         <p:cNvPr id="1" name=""/>
@@ -7224,50 +7521,83 @@
               <a:defRPr sz="6200"/>
             </a:pPr>
             <a:r>
+              <a:rPr>
+                <a:solidFill>
+                  <a:schemeClr val="tx1"/>
+                </a:solidFill>
+              </a:rPr>
               <a:t>Should we be concerned that we might be viewed as </a:t>
             </a:r>
             <a:r>
-              <a:rPr/>
+              <a:rPr>
+                <a:solidFill>
+                  <a:schemeClr val="tx1"/>
+                </a:solidFill>
+              </a:rPr>
               <a:t>an </a:t>
             </a:r>
             <a:r>
-              <a:rPr smtClean="0"/>
+              <a:rPr smtClean="0">
+                <a:solidFill>
+                  <a:schemeClr val="tx1"/>
+                </a:solidFill>
+              </a:rPr>
               <a:t>over-paid</a:t>
             </a:r>
             <a:r>
+              <a:rPr>
+                <a:solidFill>
+                  <a:schemeClr val="tx1"/>
+                </a:solidFill>
+              </a:rPr>
               <a:t>, over-privileged </a:t>
             </a:r>
             <a:r>
               <a:rPr>
                 <a:solidFill>
-                  <a:srgbClr val="FEFB27"/>
+                  <a:schemeClr val="tx1"/>
                 </a:solidFill>
               </a:rPr>
               <a:t>elite</a:t>
             </a:r>
             <a:r>
+              <a:rPr>
+                <a:solidFill>
+                  <a:schemeClr val="tx1"/>
+                </a:solidFill>
+              </a:rPr>
               <a:t> that </a:t>
             </a:r>
             <a:r>
               <a:rPr>
                 <a:solidFill>
-                  <a:srgbClr val="FEFB27"/>
+                  <a:schemeClr val="tx1"/>
                 </a:solidFill>
               </a:rPr>
               <a:t>does not care</a:t>
             </a:r>
             <a:r>
+              <a:rPr>
+                <a:solidFill>
+                  <a:schemeClr val="tx1"/>
+                </a:solidFill>
+              </a:rPr>
               <a:t> enough about the </a:t>
             </a:r>
             <a:r>
               <a:rPr>
                 <a:solidFill>
-                  <a:srgbClr val="FEFB27"/>
+                  <a:schemeClr val="tx1"/>
                 </a:solidFill>
               </a:rPr>
               <a:t>damage</a:t>
             </a:r>
             <a:r>
+              <a:rPr>
+                <a:solidFill>
+                  <a:schemeClr val="tx1"/>
+                </a:solidFill>
+              </a:rPr>
               <a:t> that our work can cause?</a:t>
             </a:r>
           </a:p>
@@ -7292,7 +7622,7 @@
           </a:ln>
           <a:extLst>
             <a:ext uri="{C572A759-6A51-4108-AA02-DFA0A04FC94B}">
-              <ma14:wrappingTextBoxFlag xmlns:ma14="http://schemas.microsoft.com/office/mac/drawingml/2011/main" xmlns:a14="http://schemas.microsoft.com/office/drawing/2010/main" xmlns:m="http://schemas.openxmlformats.org/officeDocument/2006/math" xmlns="" val="1"/>
+              <ma14:wrappingTextBoxFlag xmlns="" xmlns:m="http://schemas.openxmlformats.org/officeDocument/2006/math" xmlns:a14="http://schemas.microsoft.com/office/drawing/2010/main" xmlns:ma14="http://schemas.microsoft.com/office/mac/drawingml/2011/main" val="1"/>
             </a:ext>
           </a:extLst>
         </p:spPr>
@@ -7352,6 +7682,16 @@
 <file path=ppt/slides/slide14.xml><?xml version="1.0" encoding="utf-8"?>
 <p:sld xmlns:a="http://schemas.openxmlformats.org/drawingml/2006/main" xmlns:r="http://schemas.openxmlformats.org/officeDocument/2006/relationships" xmlns:p="http://schemas.openxmlformats.org/presentationml/2006/main">
   <p:cSld>
+    <p:bg>
+      <p:bgPr>
+        <a:solidFill>
+          <a:srgbClr val="FFFFFF">
+            <a:alpha val="0"/>
+          </a:srgbClr>
+        </a:solidFill>
+        <a:effectLst/>
+      </p:bgPr>
+    </p:bg>
     <p:spTree>
       <p:nvGrpSpPr>
         <p:cNvPr id="1" name=""/>
@@ -7393,17 +7733,27 @@
               <a:defRPr sz="5300"/>
             </a:pPr>
             <a:r>
+              <a:rPr>
+                <a:solidFill>
+                  <a:schemeClr val="tx1"/>
+                </a:solidFill>
+              </a:rPr>
               <a:t>Ultimately, we need to assure ourselves and our society that our software has been made </a:t>
             </a:r>
             <a:r>
               <a:rPr>
                 <a:solidFill>
-                  <a:srgbClr val="FEFB27"/>
+                  <a:schemeClr val="tx1"/>
                 </a:solidFill>
               </a:rPr>
               <a:t>as sound and robust as feasible</a:t>
             </a:r>
             <a:r>
+              <a:rPr>
+                <a:solidFill>
+                  <a:schemeClr val="tx1"/>
+                </a:solidFill>
+              </a:rPr>
               <a:t> so that failures are not attributable to our own carelessness, recklessness, or laziness.</a:t>
             </a:r>
           </a:p>
@@ -7428,7 +7778,7 @@
           </a:ln>
           <a:extLst>
             <a:ext uri="{C572A759-6A51-4108-AA02-DFA0A04FC94B}">
-              <ma14:wrappingTextBoxFlag xmlns:ma14="http://schemas.microsoft.com/office/mac/drawingml/2011/main" xmlns:a14="http://schemas.microsoft.com/office/drawing/2010/main" xmlns:m="http://schemas.openxmlformats.org/officeDocument/2006/math" xmlns="" val="1"/>
+              <ma14:wrappingTextBoxFlag xmlns="" xmlns:m="http://schemas.openxmlformats.org/officeDocument/2006/math" xmlns:a14="http://schemas.microsoft.com/office/drawing/2010/main" xmlns:ma14="http://schemas.microsoft.com/office/mac/drawingml/2011/main" val="1"/>
             </a:ext>
           </a:extLst>
         </p:spPr>
@@ -7512,6 +7862,16 @@
 <file path=ppt/slides/slide15.xml><?xml version="1.0" encoding="utf-8"?>
 <p:sld xmlns:a="http://schemas.openxmlformats.org/drawingml/2006/main" xmlns:r="http://schemas.openxmlformats.org/officeDocument/2006/relationships" xmlns:p="http://schemas.openxmlformats.org/presentationml/2006/main">
   <p:cSld>
+    <p:bg>
+      <p:bgPr>
+        <a:solidFill>
+          <a:srgbClr val="FFFFFF">
+            <a:alpha val="0"/>
+          </a:srgbClr>
+        </a:solidFill>
+        <a:effectLst/>
+      </p:bgPr>
+    </p:bg>
     <p:spTree>
       <p:nvGrpSpPr>
         <p:cNvPr id="1" name=""/>
@@ -7550,6 +7910,11 @@
           </a:lstStyle>
           <a:p>
             <a:r>
+              <a:rPr>
+                <a:solidFill>
+                  <a:schemeClr val="tx1"/>
+                </a:solidFill>
+              </a:rPr>
               <a:t>So our main goal is…</a:t>
             </a:r>
           </a:p>
@@ -7584,12 +7949,17 @@
               <a:defRPr sz="6700"/>
             </a:pPr>
             <a:r>
+              <a:rPr>
+                <a:solidFill>
+                  <a:schemeClr val="tx1"/>
+                </a:solidFill>
+              </a:rPr>
               <a:t>Software and systems </a:t>
             </a:r>
             <a:r>
               <a:rPr>
                 <a:solidFill>
-                  <a:srgbClr val="FEFB27"/>
+                  <a:schemeClr val="tx1"/>
                 </a:solidFill>
               </a:rPr>
               <a:t>quality</a:t>
@@ -7600,12 +7970,17 @@
               <a:defRPr sz="6700"/>
             </a:pPr>
             <a:r>
+              <a:rPr>
+                <a:solidFill>
+                  <a:schemeClr val="tx1"/>
+                </a:solidFill>
+              </a:rPr>
               <a:t>Software and systems development and operation </a:t>
             </a:r>
             <a:r>
               <a:rPr>
                 <a:solidFill>
-                  <a:srgbClr val="FEFB27"/>
+                  <a:schemeClr val="tx1"/>
                 </a:solidFill>
               </a:rPr>
               <a:t>productivity</a:t>
@@ -7616,6 +7991,11 @@
               <a:defRPr sz="5600"/>
             </a:pPr>
             <a:r>
+              <a:rPr>
+                <a:solidFill>
+                  <a:schemeClr val="tx1"/>
+                </a:solidFill>
+              </a:rPr>
               <a:t>costs and deadlines</a:t>
             </a:r>
           </a:p>
@@ -7640,6 +8020,16 @@
 <file path=ppt/slides/slide16.xml><?xml version="1.0" encoding="utf-8"?>
 <p:sld xmlns:a="http://schemas.openxmlformats.org/drawingml/2006/main" xmlns:r="http://schemas.openxmlformats.org/officeDocument/2006/relationships" xmlns:p="http://schemas.openxmlformats.org/presentationml/2006/main">
   <p:cSld>
+    <p:bg>
+      <p:bgPr>
+        <a:solidFill>
+          <a:srgbClr val="FFFFFF">
+            <a:alpha val="0"/>
+          </a:srgbClr>
+        </a:solidFill>
+        <a:effectLst/>
+      </p:bgPr>
+    </p:bg>
     <p:spTree>
       <p:nvGrpSpPr>
         <p:cNvPr id="1" name=""/>
@@ -7676,29 +8066,58 @@
           <a:lstStyle/>
           <a:p>
             <a:r>
+              <a:rPr>
+                <a:solidFill>
+                  <a:schemeClr val="tx1"/>
+                </a:solidFill>
+              </a:rPr>
               <a:t>Software </a:t>
             </a:r>
             <a:r>
-              <a:rPr/>
+              <a:rPr>
+                <a:solidFill>
+                  <a:schemeClr val="tx1"/>
+                </a:solidFill>
+              </a:rPr>
               <a:t>and </a:t>
             </a:r>
             <a:r>
-              <a:rPr lang="en-US" dirty="0" smtClean="0"/>
+              <a:rPr lang="en-US" dirty="0" smtClean="0">
+                <a:solidFill>
+                  <a:schemeClr val="tx1"/>
+                </a:solidFill>
+              </a:rPr>
               <a:t>S</a:t>
             </a:r>
             <a:r>
-              <a:rPr smtClean="0"/>
+              <a:rPr smtClean="0">
+                <a:solidFill>
+                  <a:schemeClr val="tx1"/>
+                </a:solidFill>
+              </a:rPr>
               <a:t>ystems </a:t>
             </a:r>
             <a:r>
-              <a:rPr lang="en-US" dirty="0" smtClean="0"/>
+              <a:rPr lang="en-US" dirty="0" smtClean="0">
+                <a:solidFill>
+                  <a:schemeClr val="tx1"/>
+                </a:solidFill>
+              </a:rPr>
               <a:t>E</a:t>
             </a:r>
             <a:r>
-              <a:rPr smtClean="0"/>
+              <a:rPr smtClean="0">
+                <a:solidFill>
+                  <a:schemeClr val="tx1"/>
+                </a:solidFill>
+              </a:rPr>
               <a:t>ngineering</a:t>
             </a:r>
-            <a:endParaRPr/>
+            <a:endParaRPr>
+              <a:solidFill>
+                <a:schemeClr val="tx1"/>
+              </a:solidFill>
+            </a:endParaRPr>
           </a:p>
         </p:txBody>
       </p:sp>
@@ -7726,17 +8145,34 @@
           <a:lstStyle/>
           <a:p>
             <a:r>
-              <a:rPr lang="en-US" dirty="0" smtClean="0"/>
+              <a:rPr lang="en-US" dirty="0" smtClean="0">
+                <a:solidFill>
+                  <a:schemeClr val="tx1"/>
+                </a:solidFill>
+              </a:rPr>
               <a:t>Marcelo </a:t>
             </a:r>
             <a:r>
-              <a:rPr lang="en-US" dirty="0" err="1" smtClean="0"/>
+              <a:rPr lang="en-US" dirty="0" err="1" smtClean="0">
+                <a:solidFill>
+                  <a:schemeClr val="tx1"/>
+                </a:solidFill>
+              </a:rPr>
               <a:t>d’Amorim</a:t>
             </a:r>
-            <a:endParaRPr/>
-          </a:p>
-          <a:p>
-            <a:r>
+            <a:endParaRPr>
+              <a:solidFill>
+                <a:schemeClr val="tx1"/>
+              </a:solidFill>
+            </a:endParaRPr>
+          </a:p>
+          <a:p>
+            <a:r>
+              <a:rPr>
+                <a:solidFill>
+                  <a:schemeClr val="tx1"/>
+                </a:solidFill>
+              </a:rPr>
               <a:t>Federal University of Pernambuco</a:t>
             </a:r>
           </a:p>
@@ -7761,7 +8197,7 @@
           </a:ln>
           <a:extLst>
             <a:ext uri="{C572A759-6A51-4108-AA02-DFA0A04FC94B}">
-              <ma14:wrappingTextBoxFlag xmlns:ma14="http://schemas.microsoft.com/office/mac/drawingml/2011/main" xmlns:a14="http://schemas.microsoft.com/office/drawing/2010/main" xmlns:m="http://schemas.openxmlformats.org/officeDocument/2006/math" xmlns="" val="1"/>
+              <ma14:wrappingTextBoxFlag xmlns="" xmlns:m="http://schemas.openxmlformats.org/officeDocument/2006/math" xmlns:a14="http://schemas.microsoft.com/office/drawing/2010/main" xmlns:ma14="http://schemas.microsoft.com/office/mac/drawingml/2011/main" val="1"/>
             </a:ext>
           </a:extLst>
         </p:spPr>
@@ -7976,6 +8412,16 @@
 <file path=ppt/slides/slide17.xml><?xml version="1.0" encoding="utf-8"?>
 <p:sld xmlns:a="http://schemas.openxmlformats.org/drawingml/2006/main" xmlns:r="http://schemas.openxmlformats.org/officeDocument/2006/relationships" xmlns:p="http://schemas.openxmlformats.org/presentationml/2006/main">
   <p:cSld>
+    <p:bg>
+      <p:bgPr>
+        <a:solidFill>
+          <a:srgbClr val="FFFFFF">
+            <a:alpha val="0"/>
+          </a:srgbClr>
+        </a:solidFill>
+        <a:effectLst/>
+      </p:bgPr>
+    </p:bg>
     <p:spTree>
       <p:nvGrpSpPr>
         <p:cNvPr id="1" name=""/>
@@ -8010,6 +8456,11 @@
           <a:lstStyle/>
           <a:p>
             <a:r>
+              <a:rPr>
+                <a:solidFill>
+                  <a:schemeClr val="tx1"/>
+                </a:solidFill>
+              </a:rPr>
               <a:t>What is the software crisis?</a:t>
             </a:r>
           </a:p>
@@ -8034,6 +8485,16 @@
 <file path=ppt/slides/slide18.xml><?xml version="1.0" encoding="utf-8"?>
 <p:sld xmlns:a="http://schemas.openxmlformats.org/drawingml/2006/main" xmlns:r="http://schemas.openxmlformats.org/officeDocument/2006/relationships" xmlns:p="http://schemas.openxmlformats.org/presentationml/2006/main">
   <p:cSld>
+    <p:bg>
+      <p:bgPr>
+        <a:solidFill>
+          <a:srgbClr val="FFFFFF">
+            <a:alpha val="0"/>
+          </a:srgbClr>
+        </a:solidFill>
+        <a:effectLst/>
+      </p:bgPr>
+    </p:bg>
     <p:spTree>
       <p:nvGrpSpPr>
         <p:cNvPr id="1" name=""/>
@@ -8074,6 +8535,11 @@
           </a:lstStyle>
           <a:p>
             <a:r>
+              <a:rPr>
+                <a:solidFill>
+                  <a:schemeClr val="tx1"/>
+                </a:solidFill>
+              </a:rPr>
               <a:t>Practical impact of quality and productivity</a:t>
             </a:r>
           </a:p>
@@ -8103,6 +8569,11 @@
               <a:defRPr sz="5500"/>
             </a:pPr>
             <a:r>
+              <a:rPr>
+                <a:solidFill>
+                  <a:schemeClr val="tx1"/>
+                </a:solidFill>
+              </a:rPr>
               <a:t>Companies competitiveness </a:t>
             </a:r>
           </a:p>
@@ -8112,6 +8583,11 @@
               <a:defRPr sz="5500"/>
             </a:pPr>
             <a:r>
+              <a:rPr>
+                <a:solidFill>
+                  <a:schemeClr val="tx1"/>
+                </a:solidFill>
+              </a:rPr>
               <a:t>Better and safer products, smaller costs (long term)</a:t>
             </a:r>
           </a:p>
@@ -8121,6 +8597,11 @@
               <a:defRPr sz="5500"/>
             </a:pPr>
             <a:r>
+              <a:rPr>
+                <a:solidFill>
+                  <a:schemeClr val="tx1"/>
+                </a:solidFill>
+              </a:rPr>
               <a:t>Attraction of new companies to local ecosystems</a:t>
             </a:r>
           </a:p>
@@ -8135,6 +8616,11 @@
               <a:defRPr sz="5500"/>
             </a:pPr>
             <a:r>
+              <a:rPr>
+                <a:solidFill>
+                  <a:schemeClr val="tx1"/>
+                </a:solidFill>
+              </a:rPr>
               <a:t>investments, more taxes</a:t>
             </a:r>
           </a:p>
@@ -8159,6 +8645,16 @@
 <file path=ppt/slides/slide19.xml><?xml version="1.0" encoding="utf-8"?>
 <p:sld xmlns:a="http://schemas.openxmlformats.org/drawingml/2006/main" xmlns:r="http://schemas.openxmlformats.org/officeDocument/2006/relationships" xmlns:p="http://schemas.openxmlformats.org/presentationml/2006/main">
   <p:cSld>
+    <p:bg>
+      <p:bgPr>
+        <a:solidFill>
+          <a:srgbClr val="FFFFFF">
+            <a:alpha val="0"/>
+          </a:srgbClr>
+        </a:solidFill>
+        <a:effectLst/>
+      </p:bgPr>
+    </p:bg>
     <p:spTree>
       <p:nvGrpSpPr>
         <p:cNvPr id="1" name=""/>
@@ -8201,6 +8697,11 @@
           </a:lstStyle>
           <a:p>
             <a:r>
+              <a:rPr>
+                <a:solidFill>
+                  <a:schemeClr val="tx1"/>
+                </a:solidFill>
+              </a:rPr>
               <a:t>Not always achieved, almost never easy!</a:t>
             </a:r>
           </a:p>
@@ -8212,7 +8713,7 @@
     <a:masterClrMapping/>
   </p:clrMapOvr>
   <mc:AlternateContent xmlns:mc="http://schemas.openxmlformats.org/markup-compatibility/2006">
-    <mc:Choice xmlns:p14="http://schemas.microsoft.com/office/powerpoint/2010/main" xmlns:a14="http://schemas.microsoft.com/office/drawing/2010/main" xmlns:m="http://schemas.openxmlformats.org/officeDocument/2006/math" xmlns="" Requires="p14">
+    <mc:Choice xmlns="" xmlns:m="http://schemas.openxmlformats.org/officeDocument/2006/math" xmlns:a14="http://schemas.microsoft.com/office/drawing/2010/main" xmlns:p14="http://schemas.microsoft.com/office/powerpoint/2010/main" Requires="p14">
       <p:transition spd="fast" advClick="1" p14:dur="500">
         <p:wipe dir="d"/>
       </p:transition>
@@ -8229,6 +8730,16 @@
 <file path=ppt/slides/slide2.xml><?xml version="1.0" encoding="utf-8"?>
 <p:sld xmlns:a="http://schemas.openxmlformats.org/drawingml/2006/main" xmlns:r="http://schemas.openxmlformats.org/officeDocument/2006/relationships" xmlns:p="http://schemas.openxmlformats.org/presentationml/2006/main">
   <p:cSld>
+    <p:bg>
+      <p:bgPr>
+        <a:solidFill>
+          <a:srgbClr val="FFFFFF">
+            <a:alpha val="0"/>
+          </a:srgbClr>
+        </a:solidFill>
+        <a:effectLst/>
+      </p:bgPr>
+    </p:bg>
     <p:spTree>
       <p:nvGrpSpPr>
         <p:cNvPr id="1" name=""/>
@@ -8267,6 +8778,11 @@
           <a:lstStyle/>
           <a:p>
             <a:r>
+              <a:rPr>
+                <a:solidFill>
+                  <a:schemeClr val="tx1"/>
+                </a:solidFill>
+              </a:rPr>
               <a:t>What is software and systems engineering?</a:t>
             </a:r>
           </a:p>
@@ -8291,6 +8807,16 @@
 <file path=ppt/slides/slide20.xml><?xml version="1.0" encoding="utf-8"?>
 <p:sld xmlns:a="http://schemas.openxmlformats.org/drawingml/2006/main" xmlns:r="http://schemas.openxmlformats.org/officeDocument/2006/relationships" xmlns:p="http://schemas.openxmlformats.org/presentationml/2006/main">
   <p:cSld>
+    <p:bg>
+      <p:bgPr>
+        <a:solidFill>
+          <a:srgbClr val="FFFFFF">
+            <a:alpha val="0"/>
+          </a:srgbClr>
+        </a:solidFill>
+        <a:effectLst/>
+      </p:bgPr>
+    </p:bg>
     <p:spTree>
       <p:nvGrpSpPr>
         <p:cNvPr id="1" name=""/>
@@ -8331,6 +8857,11 @@
           </a:lstStyle>
           <a:p>
             <a:r>
+              <a:rPr>
+                <a:solidFill>
+                  <a:schemeClr val="tx1"/>
+                </a:solidFill>
+              </a:rPr>
               <a:t>Software development issues, (crisis? since 1968!)</a:t>
             </a:r>
           </a:p>
@@ -8363,6 +8894,11 @@
               <a:defRPr sz="4700"/>
             </a:pPr>
             <a:r>
+              <a:rPr>
+                <a:solidFill>
+                  <a:schemeClr val="tx1"/>
+                </a:solidFill>
+              </a:rPr>
               <a:t>Project cancellations</a:t>
             </a:r>
           </a:p>
@@ -8375,6 +8911,11 @@
               <a:defRPr sz="4700"/>
             </a:pPr>
             <a:r>
+              <a:rPr>
+                <a:solidFill>
+                  <a:schemeClr val="tx1"/>
+                </a:solidFill>
+              </a:rPr>
               <a:t>Development time and cost go well beyond the estimative</a:t>
             </a:r>
           </a:p>
@@ -8387,6 +8928,11 @@
               <a:defRPr sz="4700"/>
             </a:pPr>
             <a:r>
+              <a:rPr>
+                <a:solidFill>
+                  <a:schemeClr val="tx1"/>
+                </a:solidFill>
+              </a:rPr>
               <a:t>Systems do not work as planned</a:t>
             </a:r>
           </a:p>
@@ -8399,6 +8945,11 @@
               <a:defRPr sz="4700"/>
             </a:pPr>
             <a:r>
+              <a:rPr>
+                <a:solidFill>
+                  <a:schemeClr val="tx1"/>
+                </a:solidFill>
+              </a:rPr>
               <a:t>Difficult reuse and maintenance </a:t>
             </a:r>
           </a:p>
@@ -8423,6 +8974,16 @@
 <file path=ppt/slides/slide21.xml><?xml version="1.0" encoding="utf-8"?>
 <p:sld xmlns:a="http://schemas.openxmlformats.org/drawingml/2006/main" xmlns:r="http://schemas.openxmlformats.org/officeDocument/2006/relationships" xmlns:p="http://schemas.openxmlformats.org/presentationml/2006/main">
   <p:cSld>
+    <p:bg>
+      <p:bgPr>
+        <a:solidFill>
+          <a:srgbClr val="FFFFFF">
+            <a:alpha val="0"/>
+          </a:srgbClr>
+        </a:solidFill>
+        <a:effectLst/>
+      </p:bgPr>
+    </p:bg>
     <p:spTree>
       <p:nvGrpSpPr>
         <p:cNvPr id="1" name=""/>
@@ -8457,6 +9018,11 @@
           <a:lstStyle/>
           <a:p>
             <a:r>
+              <a:rPr>
+                <a:solidFill>
+                  <a:schemeClr val="tx1"/>
+                </a:solidFill>
+              </a:rPr>
               <a:t>No silver bullet!</a:t>
             </a:r>
           </a:p>
@@ -8468,7 +9034,7 @@
     <a:masterClrMapping/>
   </p:clrMapOvr>
   <mc:AlternateContent xmlns:mc="http://schemas.openxmlformats.org/markup-compatibility/2006">
-    <mc:Choice xmlns:p14="http://schemas.microsoft.com/office/powerpoint/2010/main" xmlns:a14="http://schemas.microsoft.com/office/drawing/2010/main" xmlns:m="http://schemas.openxmlformats.org/officeDocument/2006/math" xmlns="" Requires="p14">
+    <mc:Choice xmlns="" xmlns:m="http://schemas.openxmlformats.org/officeDocument/2006/math" xmlns:a14="http://schemas.microsoft.com/office/drawing/2010/main" xmlns:p14="http://schemas.microsoft.com/office/powerpoint/2010/main" Requires="p14">
       <p:transition spd="fast" advClick="1" p14:dur="500">
         <p:wipe dir="d"/>
       </p:transition>
@@ -8492,6 +9058,16 @@
 <file path=ppt/slides/slide22.xml><?xml version="1.0" encoding="utf-8"?>
 <p:sld xmlns:a="http://schemas.openxmlformats.org/drawingml/2006/main" xmlns:r="http://schemas.openxmlformats.org/officeDocument/2006/relationships" xmlns:p="http://schemas.openxmlformats.org/presentationml/2006/main">
   <p:cSld>
+    <p:bg>
+      <p:bgPr>
+        <a:solidFill>
+          <a:srgbClr val="FFFFFF">
+            <a:alpha val="0"/>
+          </a:srgbClr>
+        </a:solidFill>
+        <a:effectLst/>
+      </p:bgPr>
+    </p:bg>
     <p:spTree>
       <p:nvGrpSpPr>
         <p:cNvPr id="1" name=""/>
@@ -8528,12 +9104,17 @@
             <a:r>
               <a:rPr>
                 <a:solidFill>
-                  <a:srgbClr val="FEFB27"/>
+                  <a:schemeClr val="tx1"/>
                 </a:solidFill>
               </a:rPr>
               <a:t>Essential</a:t>
             </a:r>
             <a:r>
+              <a:rPr>
+                <a:solidFill>
+                  <a:schemeClr val="tx1"/>
+                </a:solidFill>
+              </a:rPr>
               <a:t> causes of software issues</a:t>
             </a:r>
           </a:p>
@@ -8569,6 +9150,11 @@
               <a:defRPr sz="4300"/>
             </a:pPr>
             <a:r>
+              <a:rPr>
+                <a:solidFill>
+                  <a:schemeClr val="tx1"/>
+                </a:solidFill>
+              </a:rPr>
               <a:t>Increasing systems complexity </a:t>
             </a:r>
           </a:p>
@@ -8580,6 +9166,11 @@
               <a:defRPr sz="4300"/>
             </a:pPr>
             <a:r>
+              <a:rPr>
+                <a:solidFill>
+                  <a:schemeClr val="tx1"/>
+                </a:solidFill>
+              </a:rPr>
               <a:t>Formalization difficulties and costs</a:t>
             </a:r>
           </a:p>
@@ -8633,6 +9224,16 @@
 <file path=ppt/slides/slide23.xml><?xml version="1.0" encoding="utf-8"?>
 <p:sld xmlns:a="http://schemas.openxmlformats.org/drawingml/2006/main" xmlns:r="http://schemas.openxmlformats.org/officeDocument/2006/relationships" xmlns:p="http://schemas.openxmlformats.org/presentationml/2006/main">
   <p:cSld>
+    <p:bg>
+      <p:bgPr>
+        <a:solidFill>
+          <a:srgbClr val="FFFFFF">
+            <a:alpha val="0"/>
+          </a:srgbClr>
+        </a:solidFill>
+        <a:effectLst/>
+      </p:bgPr>
+    </p:bg>
     <p:spTree>
       <p:nvGrpSpPr>
         <p:cNvPr id="1" name=""/>
@@ -8669,12 +9270,17 @@
             <a:r>
               <a:rPr>
                 <a:solidFill>
-                  <a:srgbClr val="FEFB27"/>
+                  <a:schemeClr val="tx1"/>
                 </a:solidFill>
               </a:rPr>
               <a:t>Accidental</a:t>
             </a:r>
             <a:r>
+              <a:rPr>
+                <a:solidFill>
+                  <a:schemeClr val="tx1"/>
+                </a:solidFill>
+              </a:rPr>
               <a:t> causes of software issues</a:t>
             </a:r>
           </a:p>
@@ -8707,6 +9313,11 @@
               <a:defRPr sz="3900"/>
             </a:pPr>
             <a:r>
+              <a:rPr>
+                <a:solidFill>
+                  <a:schemeClr val="tx1"/>
+                </a:solidFill>
+              </a:rPr>
               <a:t>People lack skills and experience</a:t>
             </a:r>
           </a:p>
@@ -8715,6 +9326,11 @@
               <a:defRPr sz="3900"/>
             </a:pPr>
             <a:r>
+              <a:rPr>
+                <a:solidFill>
+                  <a:schemeClr val="tx1"/>
+                </a:solidFill>
+              </a:rPr>
               <a:t>Poor process and practices</a:t>
             </a:r>
           </a:p>
@@ -8726,6 +9342,11 @@
               <a:defRPr sz="3900"/>
             </a:pPr>
             <a:r>
+              <a:rPr>
+                <a:solidFill>
+                  <a:schemeClr val="tx1"/>
+                </a:solidFill>
+              </a:rPr>
               <a:t>Lack of proper languages and tools </a:t>
             </a:r>
           </a:p>
@@ -8734,6 +9355,11 @@
               <a:defRPr sz="3900"/>
             </a:pPr>
             <a:r>
+              <a:rPr>
+                <a:solidFill>
+                  <a:schemeClr val="tx1"/>
+                </a:solidFill>
+              </a:rPr>
               <a:t>little synthesis</a:t>
             </a:r>
           </a:p>
@@ -8745,6 +9371,11 @@
               <a:defRPr sz="3900"/>
             </a:pPr>
             <a:r>
+              <a:rPr>
+                <a:solidFill>
+                  <a:schemeClr val="tx1"/>
+                </a:solidFill>
+              </a:rPr>
               <a:t>Weak organisational structure</a:t>
             </a:r>
           </a:p>
@@ -8756,6 +9387,11 @@
               <a:defRPr sz="3900"/>
             </a:pPr>
             <a:r>
+              <a:rPr>
+                <a:solidFill>
+                  <a:schemeClr val="tx1"/>
+                </a:solidFill>
+              </a:rPr>
               <a:t>poor management</a:t>
             </a:r>
           </a:p>
@@ -8767,6 +9403,11 @@
               <a:defRPr sz="3900"/>
             </a:pPr>
             <a:r>
+              <a:rPr>
+                <a:solidFill>
+                  <a:schemeClr val="tx1"/>
+                </a:solidFill>
+              </a:rPr>
               <a:t>conflicts</a:t>
             </a:r>
           </a:p>
@@ -8778,6 +9419,11 @@
               <a:defRPr sz="3900"/>
             </a:pPr>
             <a:r>
+              <a:rPr>
+                <a:solidFill>
+                  <a:schemeClr val="tx1"/>
+                </a:solidFill>
+              </a:rPr>
               <a:t>conflict ethics and business values</a:t>
             </a:r>
           </a:p>
@@ -8786,6 +9432,11 @@
               <a:defRPr sz="3900"/>
             </a:pPr>
             <a:r>
+              <a:rPr>
+                <a:solidFill>
+                  <a:schemeClr val="tx1"/>
+                </a:solidFill>
+              </a:rPr>
               <a:t>Too many project constraints</a:t>
             </a:r>
           </a:p>
@@ -8810,6 +9461,16 @@
 <file path=ppt/slides/slide24.xml><?xml version="1.0" encoding="utf-8"?>
 <p:sld xmlns:a="http://schemas.openxmlformats.org/drawingml/2006/main" xmlns:r="http://schemas.openxmlformats.org/officeDocument/2006/relationships" xmlns:p="http://schemas.openxmlformats.org/presentationml/2006/main">
   <p:cSld>
+    <p:bg>
+      <p:bgPr>
+        <a:solidFill>
+          <a:srgbClr val="FFFFFF">
+            <a:alpha val="0"/>
+          </a:srgbClr>
+        </a:solidFill>
+        <a:effectLst/>
+      </p:bgPr>
+    </p:bg>
     <p:spTree>
       <p:nvGrpSpPr>
         <p:cNvPr id="1" name=""/>
@@ -8844,6 +9505,11 @@
           <a:lstStyle/>
           <a:p>
             <a:r>
+              <a:rPr>
+                <a:solidFill>
+                  <a:schemeClr val="tx1"/>
+                </a:solidFill>
+              </a:rPr>
               <a:t>Teams that don’t achieve share these deficiencies</a:t>
             </a:r>
           </a:p>
@@ -8868,6 +9534,16 @@
 <file path=ppt/slides/slide25.xml><?xml version="1.0" encoding="utf-8"?>
 <p:sld xmlns:a="http://schemas.openxmlformats.org/drawingml/2006/main" xmlns:r="http://schemas.openxmlformats.org/officeDocument/2006/relationships" xmlns:p="http://schemas.openxmlformats.org/presentationml/2006/main">
   <p:cSld>
+    <p:bg>
+      <p:bgPr>
+        <a:solidFill>
+          <a:srgbClr val="FFFFFF">
+            <a:alpha val="0"/>
+          </a:srgbClr>
+        </a:solidFill>
+        <a:effectLst/>
+      </p:bgPr>
+    </p:bg>
     <p:spTree>
       <p:nvGrpSpPr>
         <p:cNvPr id="1" name=""/>
@@ -8902,6 +9578,11 @@
           <a:lstStyle/>
           <a:p>
             <a:r>
+              <a:rPr>
+                <a:solidFill>
+                  <a:schemeClr val="tx1"/>
+                </a:solidFill>
+              </a:rPr>
               <a:t>Handling the crisis</a:t>
             </a:r>
           </a:p>
@@ -8936,12 +9617,17 @@
             <a:r>
               <a:rPr>
                 <a:solidFill>
-                  <a:srgbClr val="FEFB27"/>
+                  <a:schemeClr val="tx1"/>
                 </a:solidFill>
               </a:rPr>
               <a:t>50</a:t>
             </a:r>
             <a:r>
+              <a:rPr>
+                <a:solidFill>
+                  <a:schemeClr val="tx1"/>
+                </a:solidFill>
+              </a:rPr>
               <a:t>: compilers, OS</a:t>
             </a:r>
           </a:p>
@@ -8952,45 +9638,65 @@
             <a:r>
               <a:rPr>
                 <a:solidFill>
-                  <a:srgbClr val="FEFB27"/>
+                  <a:schemeClr val="tx1"/>
                 </a:solidFill>
               </a:rPr>
               <a:t>60</a:t>
             </a:r>
             <a:r>
+              <a:rPr>
+                <a:solidFill>
+                  <a:schemeClr val="tx1"/>
+                </a:solidFill>
+              </a:rPr>
               <a:t>: SE (</a:t>
             </a:r>
             <a:r>
               <a:rPr>
                 <a:solidFill>
-                  <a:srgbClr val="FFFDA9"/>
+                  <a:schemeClr val="tx1"/>
                 </a:solidFill>
               </a:rPr>
               <a:t>management</a:t>
             </a:r>
             <a:r>
+              <a:rPr>
+                <a:solidFill>
+                  <a:schemeClr val="tx1"/>
+                </a:solidFill>
+              </a:rPr>
               <a:t>, formal, </a:t>
             </a:r>
             <a:r>
               <a:rPr>
                 <a:solidFill>
-                  <a:srgbClr val="FFFDA9"/>
+                  <a:schemeClr val="tx1"/>
                 </a:solidFill>
               </a:rPr>
               <a:t>testing</a:t>
             </a:r>
             <a:r>
+              <a:rPr>
+                <a:solidFill>
+                  <a:schemeClr val="tx1"/>
+                </a:solidFill>
+              </a:rPr>
               <a:t>), </a:t>
             </a:r>
             <a:r>
               <a:rPr>
                 <a:solidFill>
-                  <a:srgbClr val="FFFDA9"/>
+                  <a:schemeClr val="tx1"/>
                 </a:solidFill>
               </a:rPr>
               <a:t>OO</a:t>
             </a:r>
             <a:r>
+              <a:rPr>
+                <a:solidFill>
+                  <a:schemeClr val="tx1"/>
+                </a:solidFill>
+              </a:rPr>
               <a:t>, databases</a:t>
             </a:r>
           </a:p>
@@ -9001,23 +9707,33 @@
             <a:r>
               <a:rPr>
                 <a:solidFill>
-                  <a:srgbClr val="FEFB27"/>
+                  <a:schemeClr val="tx1"/>
                 </a:solidFill>
               </a:rPr>
               <a:t>80</a:t>
             </a:r>
             <a:r>
+              <a:rPr>
+                <a:solidFill>
+                  <a:schemeClr val="tx1"/>
+                </a:solidFill>
+              </a:rPr>
               <a:t>: </a:t>
             </a:r>
             <a:r>
               <a:rPr>
                 <a:solidFill>
-                  <a:srgbClr val="FFFDA9"/>
+                  <a:schemeClr val="tx1"/>
                 </a:solidFill>
               </a:rPr>
               <a:t>no silver bullet, configuration management</a:t>
             </a:r>
             <a:r>
+              <a:rPr>
+                <a:solidFill>
+                  <a:schemeClr val="tx1"/>
+                </a:solidFill>
+              </a:rPr>
               <a:t> </a:t>
             </a:r>
           </a:p>
@@ -9028,29 +9744,39 @@
             <a:r>
               <a:rPr>
                 <a:solidFill>
-                  <a:srgbClr val="FEFB27"/>
+                  <a:schemeClr val="tx1"/>
                 </a:solidFill>
               </a:rPr>
               <a:t>90</a:t>
             </a:r>
             <a:r>
+              <a:rPr>
+                <a:solidFill>
+                  <a:schemeClr val="tx1"/>
+                </a:solidFill>
+              </a:rPr>
               <a:t>: maturity model, </a:t>
             </a:r>
             <a:r>
               <a:rPr>
                 <a:solidFill>
-                  <a:srgbClr val="FFFDA9"/>
+                  <a:schemeClr val="tx1"/>
                 </a:solidFill>
               </a:rPr>
               <a:t>processes</a:t>
             </a:r>
             <a:r>
+              <a:rPr>
+                <a:solidFill>
+                  <a:schemeClr val="tx1"/>
+                </a:solidFill>
+              </a:rPr>
               <a:t>, </a:t>
             </a:r>
             <a:r>
               <a:rPr>
                 <a:solidFill>
-                  <a:srgbClr val="FFFDA9"/>
+                  <a:schemeClr val="tx1"/>
                 </a:solidFill>
               </a:rPr>
               <a:t>patterns</a:t>
@@ -9063,12 +9789,17 @@
             <a:r>
               <a:rPr>
                 <a:solidFill>
-                  <a:srgbClr val="FEFB27"/>
+                  <a:schemeClr val="tx1"/>
                 </a:solidFill>
               </a:rPr>
               <a:t>70</a:t>
             </a:r>
             <a:r>
+              <a:rPr>
+                <a:solidFill>
+                  <a:schemeClr val="tx1"/>
+                </a:solidFill>
+              </a:rPr>
               <a:t>: </a:t>
             </a:r>
           </a:p>
@@ -9084,6 +9815,11 @@
               </a:defRPr>
             </a:pPr>
             <a:r>
+              <a:rPr>
+                <a:solidFill>
+                  <a:schemeClr val="tx1"/>
+                </a:solidFill>
+              </a:rPr>
               <a:t>information hiding/modules</a:t>
             </a:r>
           </a:p>
@@ -9099,6 +9835,11 @@
               </a:defRPr>
             </a:pPr>
             <a:r>
+              <a:rPr>
+                <a:solidFill>
+                  <a:schemeClr val="tx1"/>
+                </a:solidFill>
+              </a:rPr>
               <a:t>top-down, stepwise refinement</a:t>
             </a:r>
           </a:p>
@@ -9114,6 +9855,11 @@
               </a:defRPr>
             </a:pPr>
             <a:r>
+              <a:rPr>
+                <a:solidFill>
+                  <a:schemeClr val="tx1"/>
+                </a:solidFill>
+              </a:rPr>
               <a:t>incremental builds (today’s MVP)</a:t>
             </a:r>
           </a:p>
@@ -9129,6 +9875,11 @@
               </a:defRPr>
             </a:pPr>
             <a:r>
+              <a:rPr>
+                <a:solidFill>
+                  <a:schemeClr val="tx1"/>
+                </a:solidFill>
+              </a:rPr>
               <a:t>inspections </a:t>
             </a:r>
           </a:p>
@@ -9144,6 +9895,11 @@
               </a:defRPr>
             </a:pPr>
             <a:r>
+              <a:rPr>
+                <a:solidFill>
+                  <a:schemeClr val="tx1"/>
+                </a:solidFill>
+              </a:rPr>
               <a:t>requirements verification and validation</a:t>
             </a:r>
           </a:p>
@@ -9168,6 +9924,16 @@
 <file path=ppt/slides/slide26.xml><?xml version="1.0" encoding="utf-8"?>
 <p:sld xmlns:a="http://schemas.openxmlformats.org/drawingml/2006/main" xmlns:r="http://schemas.openxmlformats.org/officeDocument/2006/relationships" xmlns:p="http://schemas.openxmlformats.org/presentationml/2006/main">
   <p:cSld>
+    <p:bg>
+      <p:bgPr>
+        <a:solidFill>
+          <a:srgbClr val="FFFFFF">
+            <a:alpha val="0"/>
+          </a:srgbClr>
+        </a:solidFill>
+        <a:effectLst/>
+      </p:bgPr>
+    </p:bg>
     <p:spTree>
       <p:nvGrpSpPr>
         <p:cNvPr id="1" name=""/>
@@ -9204,29 +9970,58 @@
           <a:lstStyle/>
           <a:p>
             <a:r>
+              <a:rPr>
+                <a:solidFill>
+                  <a:schemeClr val="tx1"/>
+                </a:solidFill>
+              </a:rPr>
               <a:t>Software </a:t>
             </a:r>
             <a:r>
-              <a:rPr/>
+              <a:rPr>
+                <a:solidFill>
+                  <a:schemeClr val="tx1"/>
+                </a:solidFill>
+              </a:rPr>
               <a:t>and </a:t>
             </a:r>
             <a:r>
-              <a:rPr lang="en-US" dirty="0" smtClean="0"/>
+              <a:rPr lang="en-US" dirty="0" smtClean="0">
+                <a:solidFill>
+                  <a:schemeClr val="tx1"/>
+                </a:solidFill>
+              </a:rPr>
               <a:t>S</a:t>
             </a:r>
             <a:r>
-              <a:rPr smtClean="0"/>
+              <a:rPr smtClean="0">
+                <a:solidFill>
+                  <a:schemeClr val="tx1"/>
+                </a:solidFill>
+              </a:rPr>
               <a:t>ystems </a:t>
             </a:r>
             <a:r>
-              <a:rPr lang="en-US" dirty="0" smtClean="0"/>
+              <a:rPr lang="en-US" dirty="0" smtClean="0">
+                <a:solidFill>
+                  <a:schemeClr val="tx1"/>
+                </a:solidFill>
+              </a:rPr>
               <a:t>E</a:t>
             </a:r>
             <a:r>
-              <a:rPr smtClean="0"/>
+              <a:rPr smtClean="0">
+                <a:solidFill>
+                  <a:schemeClr val="tx1"/>
+                </a:solidFill>
+              </a:rPr>
               <a:t>ngineering</a:t>
             </a:r>
-            <a:endParaRPr/>
+            <a:endParaRPr>
+              <a:solidFill>
+                <a:schemeClr val="tx1"/>
+              </a:solidFill>
+            </a:endParaRPr>
           </a:p>
         </p:txBody>
       </p:sp>
@@ -9254,17 +10049,34 @@
           <a:lstStyle/>
           <a:p>
             <a:r>
-              <a:rPr lang="en-US" dirty="0" smtClean="0"/>
+              <a:rPr lang="en-US" dirty="0" smtClean="0">
+                <a:solidFill>
+                  <a:schemeClr val="tx1"/>
+                </a:solidFill>
+              </a:rPr>
               <a:t>Marcelo </a:t>
             </a:r>
             <a:r>
-              <a:rPr lang="en-US" dirty="0" err="1" smtClean="0"/>
+              <a:rPr lang="en-US" dirty="0" err="1" smtClean="0">
+                <a:solidFill>
+                  <a:schemeClr val="tx1"/>
+                </a:solidFill>
+              </a:rPr>
               <a:t>d’Amorim</a:t>
             </a:r>
-            <a:endParaRPr/>
-          </a:p>
-          <a:p>
-            <a:r>
+            <a:endParaRPr>
+              <a:solidFill>
+                <a:schemeClr val="tx1"/>
+              </a:solidFill>
+            </a:endParaRPr>
+          </a:p>
+          <a:p>
+            <a:r>
+              <a:rPr>
+                <a:solidFill>
+                  <a:schemeClr val="tx1"/>
+                </a:solidFill>
+              </a:rPr>
               <a:t>Federal University of Pernambuco</a:t>
             </a:r>
           </a:p>
@@ -9289,7 +10101,7 @@
           </a:ln>
           <a:extLst>
             <a:ext uri="{C572A759-6A51-4108-AA02-DFA0A04FC94B}">
-              <ma14:wrappingTextBoxFlag xmlns:ma14="http://schemas.microsoft.com/office/mac/drawingml/2011/main" xmlns:a14="http://schemas.microsoft.com/office/drawing/2010/main" xmlns:m="http://schemas.openxmlformats.org/officeDocument/2006/math" xmlns="" val="1"/>
+              <ma14:wrappingTextBoxFlag xmlns="" xmlns:m="http://schemas.openxmlformats.org/officeDocument/2006/math" xmlns:a14="http://schemas.microsoft.com/office/drawing/2010/main" xmlns:ma14="http://schemas.microsoft.com/office/mac/drawingml/2011/main" val="1"/>
             </a:ext>
           </a:extLst>
         </p:spPr>
@@ -9504,6 +10316,16 @@
 <file path=ppt/slides/slide27.xml><?xml version="1.0" encoding="utf-8"?>
 <p:sld xmlns:a="http://schemas.openxmlformats.org/drawingml/2006/main" xmlns:r="http://schemas.openxmlformats.org/officeDocument/2006/relationships" xmlns:p="http://schemas.openxmlformats.org/presentationml/2006/main">
   <p:cSld>
+    <p:bg>
+      <p:bgPr>
+        <a:solidFill>
+          <a:srgbClr val="FFFFFF">
+            <a:alpha val="0"/>
+          </a:srgbClr>
+        </a:solidFill>
+        <a:effectLst/>
+      </p:bgPr>
+    </p:bg>
     <p:spTree>
       <p:nvGrpSpPr>
         <p:cNvPr id="1" name=""/>
@@ -9538,17 +10360,27 @@
           <a:lstStyle/>
           <a:p>
             <a:r>
+              <a:rPr>
+                <a:solidFill>
+                  <a:schemeClr val="tx1"/>
+                </a:solidFill>
+              </a:rPr>
               <a:t>What is software </a:t>
             </a:r>
             <a:r>
               <a:rPr sz="15200">
                 <a:solidFill>
-                  <a:srgbClr val="FEFB27"/>
+                  <a:schemeClr val="tx1"/>
                 </a:solidFill>
               </a:rPr>
               <a:t>quality</a:t>
             </a:r>
             <a:r>
+              <a:rPr>
+                <a:solidFill>
+                  <a:schemeClr val="tx1"/>
+                </a:solidFill>
+              </a:rPr>
               <a:t>?</a:t>
             </a:r>
           </a:p>
@@ -9566,6 +10398,16 @@
 <file path=ppt/slides/slide28.xml><?xml version="1.0" encoding="utf-8"?>
 <p:sld xmlns:a="http://schemas.openxmlformats.org/drawingml/2006/main" xmlns:r="http://schemas.openxmlformats.org/officeDocument/2006/relationships" xmlns:p="http://schemas.openxmlformats.org/presentationml/2006/main">
   <p:cSld>
+    <p:bg>
+      <p:bgPr>
+        <a:solidFill>
+          <a:srgbClr val="FFFFFF">
+            <a:alpha val="0"/>
+          </a:srgbClr>
+        </a:solidFill>
+        <a:effectLst/>
+      </p:bgPr>
+    </p:bg>
     <p:spTree>
       <p:nvGrpSpPr>
         <p:cNvPr id="1" name=""/>
@@ -9604,6 +10446,11 @@
           <a:lstStyle/>
           <a:p>
             <a:r>
+              <a:rPr>
+                <a:solidFill>
+                  <a:schemeClr val="tx1"/>
+                </a:solidFill>
+              </a:rPr>
               <a:t>Software quality factors, focus on ethics and business values</a:t>
             </a:r>
           </a:p>
@@ -9640,6 +10487,11 @@
               <a:defRPr sz="4300"/>
             </a:pPr>
             <a:r>
+              <a:rPr>
+                <a:solidFill>
+                  <a:schemeClr val="tx1"/>
+                </a:solidFill>
+              </a:rPr>
               <a:t>Reliability</a:t>
             </a:r>
           </a:p>
@@ -9653,6 +10505,11 @@
               <a:defRPr sz="4300"/>
             </a:pPr>
             <a:r>
+              <a:rPr>
+                <a:solidFill>
+                  <a:schemeClr val="tx1"/>
+                </a:solidFill>
+              </a:rPr>
               <a:t>Correctness</a:t>
             </a:r>
           </a:p>
@@ -9666,6 +10523,11 @@
               <a:defRPr sz="4300"/>
             </a:pPr>
             <a:r>
+              <a:rPr>
+                <a:solidFill>
+                  <a:schemeClr val="tx1"/>
+                </a:solidFill>
+              </a:rPr>
               <a:t>Robustness</a:t>
             </a:r>
           </a:p>
@@ -9675,6 +10537,11 @@
               <a:defRPr sz="4300"/>
             </a:pPr>
             <a:r>
+              <a:rPr>
+                <a:solidFill>
+                  <a:schemeClr val="tx1"/>
+                </a:solidFill>
+              </a:rPr>
               <a:t>Extensibility</a:t>
             </a:r>
           </a:p>
@@ -9684,6 +10551,11 @@
               <a:defRPr sz="4300"/>
             </a:pPr>
             <a:r>
+              <a:rPr>
+                <a:solidFill>
+                  <a:schemeClr val="tx1"/>
+                </a:solidFill>
+              </a:rPr>
               <a:t>Reusability</a:t>
             </a:r>
           </a:p>
@@ -9693,6 +10565,11 @@
               <a:defRPr sz="4300"/>
             </a:pPr>
             <a:r>
+              <a:rPr>
+                <a:solidFill>
+                  <a:schemeClr val="tx1"/>
+                </a:solidFill>
+              </a:rPr>
               <a:t>Compatibility (backward)</a:t>
             </a:r>
           </a:p>
@@ -9702,6 +10579,11 @@
               <a:defRPr sz="4300"/>
             </a:pPr>
             <a:r>
+              <a:rPr>
+                <a:solidFill>
+                  <a:schemeClr val="tx1"/>
+                </a:solidFill>
+              </a:rPr>
               <a:t>Portability</a:t>
             </a:r>
           </a:p>
@@ -9719,6 +10601,16 @@
 <file path=ppt/slides/slide29.xml><?xml version="1.0" encoding="utf-8"?>
 <p:sld xmlns:a="http://schemas.openxmlformats.org/drawingml/2006/main" xmlns:r="http://schemas.openxmlformats.org/officeDocument/2006/relationships" xmlns:p="http://schemas.openxmlformats.org/presentationml/2006/main">
   <p:cSld>
+    <p:bg>
+      <p:bgPr>
+        <a:solidFill>
+          <a:srgbClr val="FFFFFF">
+            <a:alpha val="0"/>
+          </a:srgbClr>
+        </a:solidFill>
+        <a:effectLst/>
+      </p:bgPr>
+    </p:bg>
     <p:spTree>
       <p:nvGrpSpPr>
         <p:cNvPr id="1" name=""/>
@@ -9753,23 +10645,33 @@
           <a:lstStyle/>
           <a:p>
             <a:r>
+              <a:rPr>
+                <a:solidFill>
+                  <a:schemeClr val="tx1"/>
+                </a:solidFill>
+              </a:rPr>
               <a:t>More factors, </a:t>
             </a:r>
             <a:r>
               <a:rPr>
                 <a:solidFill>
-                  <a:srgbClr val="FEFB27"/>
+                  <a:schemeClr val="tx1"/>
                 </a:solidFill>
               </a:rPr>
               <a:t>internal</a:t>
             </a:r>
             <a:r>
+              <a:rPr>
+                <a:solidFill>
+                  <a:schemeClr val="tx1"/>
+                </a:solidFill>
+              </a:rPr>
               <a:t> and </a:t>
             </a:r>
             <a:r>
               <a:rPr>
                 <a:solidFill>
-                  <a:srgbClr val="FEFB27"/>
+                  <a:schemeClr val="tx1"/>
                 </a:solidFill>
               </a:rPr>
               <a:t>external</a:t>
@@ -9805,6 +10707,11 @@
               <a:defRPr sz="4900"/>
             </a:pPr>
             <a:r>
+              <a:rPr>
+                <a:solidFill>
+                  <a:schemeClr val="tx1"/>
+                </a:solidFill>
+              </a:rPr>
               <a:t>Performance </a:t>
             </a:r>
           </a:p>
@@ -9814,6 +10721,11 @@
               <a:defRPr sz="4900"/>
             </a:pPr>
             <a:r>
+              <a:rPr>
+                <a:solidFill>
+                  <a:schemeClr val="tx1"/>
+                </a:solidFill>
+              </a:rPr>
               <a:t>Scalability</a:t>
             </a:r>
           </a:p>
@@ -9823,6 +10735,11 @@
               <a:defRPr sz="4900"/>
             </a:pPr>
             <a:r>
+              <a:rPr>
+                <a:solidFill>
+                  <a:schemeClr val="tx1"/>
+                </a:solidFill>
+              </a:rPr>
               <a:t>Integrity, privacy and security</a:t>
             </a:r>
           </a:p>
@@ -9832,6 +10749,11 @@
               <a:defRPr sz="4900"/>
             </a:pPr>
             <a:r>
+              <a:rPr>
+                <a:solidFill>
+                  <a:schemeClr val="tx1"/>
+                </a:solidFill>
+              </a:rPr>
               <a:t>Usability</a:t>
             </a:r>
           </a:p>
@@ -9841,6 +10763,11 @@
               <a:defRPr sz="4900"/>
             </a:pPr>
             <a:r>
+              <a:rPr>
+                <a:solidFill>
+                  <a:schemeClr val="tx1"/>
+                </a:solidFill>
+              </a:rPr>
               <a:t>Flexibility</a:t>
             </a:r>
           </a:p>
@@ -9850,6 +10777,11 @@
               <a:defRPr sz="4900"/>
             </a:pPr>
             <a:r>
+              <a:rPr>
+                <a:solidFill>
+                  <a:schemeClr val="tx1"/>
+                </a:solidFill>
+              </a:rPr>
               <a:t>Fault tolerance</a:t>
             </a:r>
           </a:p>
@@ -9859,6 +10791,11 @@
               <a:defRPr sz="4900"/>
             </a:pPr>
             <a:r>
+              <a:rPr>
+                <a:solidFill>
+                  <a:schemeClr val="tx1"/>
+                </a:solidFill>
+              </a:rPr>
               <a:t>Safety</a:t>
             </a:r>
           </a:p>
@@ -9870,7 +10807,7 @@
     <a:masterClrMapping/>
   </p:clrMapOvr>
   <mc:AlternateContent xmlns:mc="http://schemas.openxmlformats.org/markup-compatibility/2006">
-    <mc:Choice xmlns:p14="http://schemas.microsoft.com/office/powerpoint/2010/main" xmlns:a14="http://schemas.microsoft.com/office/drawing/2010/main" xmlns:m="http://schemas.openxmlformats.org/officeDocument/2006/math" xmlns="" Requires="p14">
+    <mc:Choice xmlns="" xmlns:m="http://schemas.openxmlformats.org/officeDocument/2006/math" xmlns:a14="http://schemas.microsoft.com/office/drawing/2010/main" xmlns:p14="http://schemas.microsoft.com/office/powerpoint/2010/main" Requires="p14">
       <p:transition spd="fast" advClick="1" p14:dur="500">
         <p:wipe dir="d"/>
       </p:transition>
@@ -9894,6 +10831,16 @@
 <file path=ppt/slides/slide3.xml><?xml version="1.0" encoding="utf-8"?>
 <p:sld xmlns:a="http://schemas.openxmlformats.org/drawingml/2006/main" xmlns:r="http://schemas.openxmlformats.org/officeDocument/2006/relationships" xmlns:p="http://schemas.openxmlformats.org/presentationml/2006/main">
   <p:cSld>
+    <p:bg>
+      <p:bgPr>
+        <a:solidFill>
+          <a:srgbClr val="FFFFFF">
+            <a:alpha val="0"/>
+          </a:srgbClr>
+        </a:solidFill>
+        <a:effectLst/>
+      </p:bgPr>
+    </p:bg>
     <p:spTree>
       <p:nvGrpSpPr>
         <p:cNvPr id="1" name=""/>
@@ -9928,6 +10875,11 @@
           <a:lstStyle/>
           <a:p>
             <a:r>
+              <a:rPr>
+                <a:solidFill>
+                  <a:schemeClr val="tx1"/>
+                </a:solidFill>
+              </a:rPr>
               <a:t>Engineering is…</a:t>
             </a:r>
           </a:p>
@@ -9952,7 +10904,7 @@
           </a:ln>
           <a:extLst>
             <a:ext uri="{C572A759-6A51-4108-AA02-DFA0A04FC94B}">
-              <ma14:wrappingTextBoxFlag xmlns:ma14="http://schemas.microsoft.com/office/mac/drawingml/2011/main" xmlns:a14="http://schemas.microsoft.com/office/drawing/2010/main" xmlns:m="http://schemas.openxmlformats.org/officeDocument/2006/math" xmlns="" val="1"/>
+              <ma14:wrappingTextBoxFlag xmlns="" xmlns:m="http://schemas.openxmlformats.org/officeDocument/2006/math" xmlns:a14="http://schemas.microsoft.com/office/drawing/2010/main" xmlns:ma14="http://schemas.microsoft.com/office/mac/drawingml/2011/main" val="1"/>
             </a:ext>
           </a:extLst>
         </p:spPr>
@@ -10044,7 +10996,7 @@
           </a:ln>
           <a:extLst>
             <a:ext uri="{C572A759-6A51-4108-AA02-DFA0A04FC94B}">
-              <ma14:wrappingTextBoxFlag xmlns:ma14="http://schemas.microsoft.com/office/mac/drawingml/2011/main" xmlns:a14="http://schemas.microsoft.com/office/drawing/2010/main" xmlns:m="http://schemas.openxmlformats.org/officeDocument/2006/math" xmlns="" val="1"/>
+              <ma14:wrappingTextBoxFlag xmlns="" xmlns:m="http://schemas.openxmlformats.org/officeDocument/2006/math" xmlns:a14="http://schemas.microsoft.com/office/drawing/2010/main" xmlns:ma14="http://schemas.microsoft.com/office/mac/drawingml/2011/main" val="1"/>
             </a:ext>
           </a:extLst>
         </p:spPr>
@@ -10087,6 +11039,16 @@
 <file path=ppt/slides/slide30.xml><?xml version="1.0" encoding="utf-8"?>
 <p:sld xmlns:a="http://schemas.openxmlformats.org/drawingml/2006/main" xmlns:r="http://schemas.openxmlformats.org/officeDocument/2006/relationships" xmlns:p="http://schemas.openxmlformats.org/presentationml/2006/main">
   <p:cSld>
+    <p:bg>
+      <p:bgPr>
+        <a:solidFill>
+          <a:srgbClr val="FFFFFF">
+            <a:alpha val="0"/>
+          </a:srgbClr>
+        </a:solidFill>
+        <a:effectLst/>
+      </p:bgPr>
+    </p:bg>
     <p:spTree>
       <p:nvGrpSpPr>
         <p:cNvPr id="1" name=""/>
@@ -10125,6 +11087,11 @@
           <a:lstStyle/>
           <a:p>
             <a:r>
+              <a:rPr>
+                <a:solidFill>
+                  <a:schemeClr val="tx1"/>
+                </a:solidFill>
+              </a:rPr>
               <a:t>For example, why would those factors be important for a store automation system?</a:t>
             </a:r>
           </a:p>
@@ -10149,6 +11116,16 @@
 <file path=ppt/slides/slide31.xml><?xml version="1.0" encoding="utf-8"?>
 <p:sld xmlns:a="http://schemas.openxmlformats.org/drawingml/2006/main" xmlns:r="http://schemas.openxmlformats.org/officeDocument/2006/relationships" xmlns:p="http://schemas.openxmlformats.org/presentationml/2006/main" show="0">
   <p:cSld>
+    <p:bg>
+      <p:bgPr>
+        <a:solidFill>
+          <a:srgbClr val="FFFFFF">
+            <a:alpha val="0"/>
+          </a:srgbClr>
+        </a:solidFill>
+        <a:effectLst/>
+      </p:bgPr>
+    </p:bg>
     <p:spTree>
       <p:nvGrpSpPr>
         <p:cNvPr id="1" name=""/>
@@ -10188,10 +11165,26 @@
               <a:defRPr sz="7119"/>
             </a:pPr>
             <a:r>
+              <a:rPr>
+                <a:solidFill>
+                  <a:schemeClr val="tx1"/>
+                </a:solidFill>
+              </a:rPr>
               <a:t>Qualidade de software</a:t>
             </a:r>
-            <a:br/>
-            <a:r>
+            <a:br>
+              <a:rPr>
+                <a:solidFill>
+                  <a:schemeClr val="tx1"/>
+                </a:solidFill>
+              </a:rPr>
+            </a:br>
+            <a:r>
+              <a:rPr>
+                <a:solidFill>
+                  <a:schemeClr val="tx1"/>
+                </a:solidFill>
+              </a:rPr>
               <a:t>(para o varejo)</a:t>
             </a:r>
           </a:p>
@@ -10220,6 +11213,11 @@
               <a:buChar char="■"/>
             </a:pPr>
             <a:r>
+              <a:rPr>
+                <a:solidFill>
+                  <a:schemeClr val="tx1"/>
+                </a:solidFill>
+              </a:rPr>
               <a:t>Correto</a:t>
             </a:r>
           </a:p>
@@ -10233,6 +11231,11 @@
               </a:buClr>
             </a:pPr>
             <a:r>
+              <a:rPr>
+                <a:solidFill>
+                  <a:schemeClr val="tx1"/>
+                </a:solidFill>
+              </a:rPr>
               <a:t>A loja não pode deixar de cobrar por produtos</a:t>
             </a:r>
           </a:p>
@@ -10241,6 +11244,11 @@
               <a:buChar char="■"/>
             </a:pPr>
             <a:r>
+              <a:rPr>
+                <a:solidFill>
+                  <a:schemeClr val="tx1"/>
+                </a:solidFill>
+              </a:rPr>
               <a:t>Robusto e altamente disponível</a:t>
             </a:r>
           </a:p>
@@ -10254,6 +11262,11 @@
               </a:buClr>
             </a:pPr>
             <a:r>
+              <a:rPr>
+                <a:solidFill>
+                  <a:schemeClr val="tx1"/>
+                </a:solidFill>
+              </a:rPr>
               <a:t>A loja não pode parar de vender</a:t>
             </a:r>
           </a:p>
@@ -10262,6 +11275,11 @@
               <a:buChar char="■"/>
             </a:pPr>
             <a:r>
+              <a:rPr>
+                <a:solidFill>
+                  <a:schemeClr val="tx1"/>
+                </a:solidFill>
+              </a:rPr>
               <a:t>Eficiente</a:t>
             </a:r>
           </a:p>
@@ -10275,6 +11293,11 @@
               </a:buClr>
             </a:pPr>
             <a:r>
+              <a:rPr>
+                <a:solidFill>
+                  <a:schemeClr val="tx1"/>
+                </a:solidFill>
+              </a:rPr>
               <a:t>O consumidor não pode esperar</a:t>
             </a:r>
           </a:p>
@@ -10288,6 +11311,11 @@
               </a:buClr>
             </a:pPr>
             <a:r>
+              <a:rPr>
+                <a:solidFill>
+                  <a:schemeClr val="tx1"/>
+                </a:solidFill>
+              </a:rPr>
               <a:t>A empresa quer investir pouco em recursos computacionais (CPU, memória, rede)</a:t>
             </a:r>
           </a:p>
@@ -10305,6 +11333,16 @@
 <file path=ppt/slides/slide32.xml><?xml version="1.0" encoding="utf-8"?>
 <p:sld xmlns:a="http://schemas.openxmlformats.org/drawingml/2006/main" xmlns:r="http://schemas.openxmlformats.org/officeDocument/2006/relationships" xmlns:p="http://schemas.openxmlformats.org/presentationml/2006/main" show="0">
   <p:cSld>
+    <p:bg>
+      <p:bgPr>
+        <a:solidFill>
+          <a:srgbClr val="FFFFFF">
+            <a:alpha val="0"/>
+          </a:srgbClr>
+        </a:solidFill>
+        <a:effectLst/>
+      </p:bgPr>
+    </p:bg>
     <p:spTree>
       <p:nvGrpSpPr>
         <p:cNvPr id="1" name=""/>
@@ -10344,10 +11382,26 @@
               <a:defRPr sz="7119"/>
             </a:pPr>
             <a:r>
+              <a:rPr>
+                <a:solidFill>
+                  <a:schemeClr val="tx1"/>
+                </a:solidFill>
+              </a:rPr>
               <a:t>Qualidade de software</a:t>
             </a:r>
-            <a:br/>
-            <a:r>
+            <a:br>
+              <a:rPr>
+                <a:solidFill>
+                  <a:schemeClr val="tx1"/>
+                </a:solidFill>
+              </a:rPr>
+            </a:br>
+            <a:r>
+              <a:rPr>
+                <a:solidFill>
+                  <a:schemeClr val="tx1"/>
+                </a:solidFill>
+              </a:rPr>
               <a:t>(para o varejo)</a:t>
             </a:r>
           </a:p>
@@ -10376,6 +11430,11 @@
               <a:buChar char="■"/>
             </a:pPr>
             <a:r>
+              <a:rPr>
+                <a:solidFill>
+                  <a:schemeClr val="tx1"/>
+                </a:solidFill>
+              </a:rPr>
               <a:t>Altamente extensível e adaptável</a:t>
             </a:r>
           </a:p>
@@ -10389,6 +11448,11 @@
               </a:buClr>
             </a:pPr>
             <a:r>
+              <a:rPr>
+                <a:solidFill>
+                  <a:schemeClr val="tx1"/>
+                </a:solidFill>
+              </a:rPr>
               <a:t>A empresa tem sempre novos requisitos (para ontem!)</a:t>
             </a:r>
           </a:p>
@@ -10402,6 +11466,11 @@
               </a:buClr>
             </a:pPr>
             <a:r>
+              <a:rPr>
+                <a:solidFill>
+                  <a:schemeClr val="tx1"/>
+                </a:solidFill>
+              </a:rPr>
               <a:t>A empresa quer o software customizado do seu jeito (interface, teclado, idioma, moeda, etc.) </a:t>
             </a:r>
           </a:p>
@@ -10410,6 +11479,11 @@
               <a:buChar char="■"/>
             </a:pPr>
             <a:r>
+              <a:rPr>
+                <a:solidFill>
+                  <a:schemeClr val="tx1"/>
+                </a:solidFill>
+              </a:rPr>
               <a:t>Reusável</a:t>
             </a:r>
           </a:p>
@@ -10423,6 +11497,11 @@
               </a:buClr>
             </a:pPr>
             <a:r>
+              <a:rPr>
+                <a:solidFill>
+                  <a:schemeClr val="tx1"/>
+                </a:solidFill>
+              </a:rPr>
               <a:t>Várias empresas precisam usar partes de um mesmo sistema</a:t>
             </a:r>
           </a:p>
@@ -10440,6 +11519,16 @@
 <file path=ppt/slides/slide33.xml><?xml version="1.0" encoding="utf-8"?>
 <p:sld xmlns:a="http://schemas.openxmlformats.org/drawingml/2006/main" xmlns:r="http://schemas.openxmlformats.org/officeDocument/2006/relationships" xmlns:p="http://schemas.openxmlformats.org/presentationml/2006/main" show="0">
   <p:cSld>
+    <p:bg>
+      <p:bgPr>
+        <a:solidFill>
+          <a:srgbClr val="FFFFFF">
+            <a:alpha val="0"/>
+          </a:srgbClr>
+        </a:solidFill>
+        <a:effectLst/>
+      </p:bgPr>
+    </p:bg>
     <p:spTree>
       <p:nvGrpSpPr>
         <p:cNvPr id="1" name=""/>
@@ -10479,10 +11568,26 @@
               <a:defRPr sz="7119"/>
             </a:pPr>
             <a:r>
+              <a:rPr>
+                <a:solidFill>
+                  <a:schemeClr val="tx1"/>
+                </a:solidFill>
+              </a:rPr>
               <a:t>Qualidade de software</a:t>
             </a:r>
-            <a:br/>
-            <a:r>
+            <a:br>
+              <a:rPr>
+                <a:solidFill>
+                  <a:schemeClr val="tx1"/>
+                </a:solidFill>
+              </a:rPr>
+            </a:br>
+            <a:r>
+              <a:rPr>
+                <a:solidFill>
+                  <a:schemeClr val="tx1"/>
+                </a:solidFill>
+              </a:rPr>
               <a:t>(para o varejo)</a:t>
             </a:r>
           </a:p>
@@ -10511,6 +11616,11 @@
               <a:buChar char="■"/>
             </a:pPr>
             <a:r>
+              <a:rPr>
+                <a:solidFill>
+                  <a:schemeClr val="tx1"/>
+                </a:solidFill>
+              </a:rPr>
               <a:t>Amigável e fácil de usar </a:t>
             </a:r>
           </a:p>
@@ -10524,6 +11634,11 @@
               </a:buClr>
             </a:pPr>
             <a:r>
+              <a:rPr>
+                <a:solidFill>
+                  <a:schemeClr val="tx1"/>
+                </a:solidFill>
+              </a:rPr>
               <a:t>A empresa quer investir pouco em treinamento</a:t>
             </a:r>
           </a:p>
@@ -10532,6 +11647,11 @@
               <a:buChar char="■"/>
             </a:pPr>
             <a:r>
+              <a:rPr>
+                <a:solidFill>
+                  <a:schemeClr val="tx1"/>
+                </a:solidFill>
+              </a:rPr>
               <a:t>Aberto, compatível, de fácil integração com outros sistemas</a:t>
             </a:r>
           </a:p>
@@ -10545,6 +11665,11 @@
               </a:buClr>
             </a:pPr>
             <a:r>
+              <a:rPr>
+                <a:solidFill>
+                  <a:schemeClr val="tx1"/>
+                </a:solidFill>
+              </a:rPr>
               <a:t>Empresa já tem outros sistemas; controle de estoque, fidelização, etc. </a:t>
             </a:r>
           </a:p>
@@ -10562,6 +11687,16 @@
 <file path=ppt/slides/slide34.xml><?xml version="1.0" encoding="utf-8"?>
 <p:sld xmlns:a="http://schemas.openxmlformats.org/drawingml/2006/main" xmlns:r="http://schemas.openxmlformats.org/officeDocument/2006/relationships" xmlns:p="http://schemas.openxmlformats.org/presentationml/2006/main" show="0">
   <p:cSld>
+    <p:bg>
+      <p:bgPr>
+        <a:solidFill>
+          <a:srgbClr val="FFFFFF">
+            <a:alpha val="0"/>
+          </a:srgbClr>
+        </a:solidFill>
+        <a:effectLst/>
+      </p:bgPr>
+    </p:bg>
     <p:spTree>
       <p:nvGrpSpPr>
         <p:cNvPr id="1" name=""/>
@@ -10601,10 +11736,26 @@
               <a:defRPr sz="7119"/>
             </a:pPr>
             <a:r>
+              <a:rPr>
+                <a:solidFill>
+                  <a:schemeClr val="tx1"/>
+                </a:solidFill>
+              </a:rPr>
               <a:t>Qualidade de software</a:t>
             </a:r>
-            <a:br/>
-            <a:r>
+            <a:br>
+              <a:rPr>
+                <a:solidFill>
+                  <a:schemeClr val="tx1"/>
+                </a:solidFill>
+              </a:rPr>
+            </a:br>
+            <a:r>
+              <a:rPr>
+                <a:solidFill>
+                  <a:schemeClr val="tx1"/>
+                </a:solidFill>
+              </a:rPr>
               <a:t>(para o varejo)</a:t>
             </a:r>
           </a:p>
@@ -10633,6 +11784,11 @@
               <a:buChar char="■"/>
             </a:pPr>
             <a:r>
+              <a:rPr>
+                <a:solidFill>
+                  <a:schemeClr val="tx1"/>
+                </a:solidFill>
+              </a:rPr>
               <a:t>Portável e independente de plataforma (hw e sw)</a:t>
             </a:r>
           </a:p>
@@ -10646,6 +11802,11 @@
               </a:buClr>
             </a:pPr>
             <a:r>
+              <a:rPr>
+                <a:solidFill>
+                  <a:schemeClr val="tx1"/>
+                </a:solidFill>
+              </a:rPr>
               <a:t>Cada empresa opta por uma determinada plataforma</a:t>
             </a:r>
           </a:p>
@@ -10654,6 +11815,11 @@
               <a:buChar char="■"/>
             </a:pPr>
             <a:r>
+              <a:rPr>
+                <a:solidFill>
+                  <a:schemeClr val="tx1"/>
+                </a:solidFill>
+              </a:rPr>
               <a:t>Baixo custo de instalação e atualização</a:t>
             </a:r>
           </a:p>
@@ -10667,6 +11833,11 @@
               </a:buClr>
             </a:pPr>
             <a:r>
+              <a:rPr>
+                <a:solidFill>
+                  <a:schemeClr val="tx1"/>
+                </a:solidFill>
+              </a:rPr>
               <a:t>A empresa tem um grande número de PDVs</a:t>
             </a:r>
           </a:p>
@@ -10684,6 +11855,16 @@
 <file path=ppt/slides/slide35.xml><?xml version="1.0" encoding="utf-8"?>
 <p:sld xmlns:a="http://schemas.openxmlformats.org/drawingml/2006/main" xmlns:r="http://schemas.openxmlformats.org/officeDocument/2006/relationships" xmlns:p="http://schemas.openxmlformats.org/presentationml/2006/main">
   <p:cSld>
+    <p:bg>
+      <p:bgPr>
+        <a:solidFill>
+          <a:srgbClr val="FFFFFF">
+            <a:alpha val="0"/>
+          </a:srgbClr>
+        </a:solidFill>
+        <a:effectLst/>
+      </p:bgPr>
+    </p:bg>
     <p:spTree>
       <p:nvGrpSpPr>
         <p:cNvPr id="1" name=""/>
@@ -10720,29 +11901,58 @@
           <a:lstStyle/>
           <a:p>
             <a:r>
+              <a:rPr>
+                <a:solidFill>
+                  <a:schemeClr val="tx1"/>
+                </a:solidFill>
+              </a:rPr>
               <a:t>Software </a:t>
             </a:r>
             <a:r>
-              <a:rPr/>
+              <a:rPr>
+                <a:solidFill>
+                  <a:schemeClr val="tx1"/>
+                </a:solidFill>
+              </a:rPr>
               <a:t>and </a:t>
             </a:r>
             <a:r>
-              <a:rPr lang="en-US" dirty="0" smtClean="0"/>
+              <a:rPr lang="en-US" dirty="0" smtClean="0">
+                <a:solidFill>
+                  <a:schemeClr val="tx1"/>
+                </a:solidFill>
+              </a:rPr>
               <a:t>S</a:t>
             </a:r>
             <a:r>
-              <a:rPr smtClean="0"/>
+              <a:rPr smtClean="0">
+                <a:solidFill>
+                  <a:schemeClr val="tx1"/>
+                </a:solidFill>
+              </a:rPr>
               <a:t>ystems </a:t>
             </a:r>
             <a:r>
-              <a:rPr lang="en-US" dirty="0" smtClean="0"/>
+              <a:rPr lang="en-US" dirty="0" smtClean="0">
+                <a:solidFill>
+                  <a:schemeClr val="tx1"/>
+                </a:solidFill>
+              </a:rPr>
               <a:t>E</a:t>
             </a:r>
             <a:r>
-              <a:rPr smtClean="0"/>
+              <a:rPr smtClean="0">
+                <a:solidFill>
+                  <a:schemeClr val="tx1"/>
+                </a:solidFill>
+              </a:rPr>
               <a:t>ngineering</a:t>
             </a:r>
-            <a:endParaRPr/>
+            <a:endParaRPr>
+              <a:solidFill>
+                <a:schemeClr val="tx1"/>
+              </a:solidFill>
+            </a:endParaRPr>
           </a:p>
         </p:txBody>
       </p:sp>
@@ -10770,17 +11980,34 @@
           <a:lstStyle/>
           <a:p>
             <a:r>
-              <a:rPr lang="en-US" dirty="0" smtClean="0"/>
+              <a:rPr lang="en-US" dirty="0" smtClean="0">
+                <a:solidFill>
+                  <a:schemeClr val="tx1"/>
+                </a:solidFill>
+              </a:rPr>
               <a:t>Marcelo </a:t>
             </a:r>
             <a:r>
-              <a:rPr lang="en-US" dirty="0" err="1" smtClean="0"/>
+              <a:rPr lang="en-US" dirty="0" err="1" smtClean="0">
+                <a:solidFill>
+                  <a:schemeClr val="tx1"/>
+                </a:solidFill>
+              </a:rPr>
               <a:t>d’Amorim</a:t>
             </a:r>
-            <a:endParaRPr/>
-          </a:p>
-          <a:p>
-            <a:r>
+            <a:endParaRPr>
+              <a:solidFill>
+                <a:schemeClr val="tx1"/>
+              </a:solidFill>
+            </a:endParaRPr>
+          </a:p>
+          <a:p>
+            <a:r>
+              <a:rPr>
+                <a:solidFill>
+                  <a:schemeClr val="tx1"/>
+                </a:solidFill>
+              </a:rPr>
               <a:t>Federal University of Pernambuco</a:t>
             </a:r>
           </a:p>
@@ -10805,7 +12032,7 @@
           </a:ln>
           <a:extLst>
             <a:ext uri="{C572A759-6A51-4108-AA02-DFA0A04FC94B}">
-              <ma14:wrappingTextBoxFlag xmlns:ma14="http://schemas.microsoft.com/office/mac/drawingml/2011/main" xmlns:a14="http://schemas.microsoft.com/office/drawing/2010/main" xmlns:m="http://schemas.openxmlformats.org/officeDocument/2006/math" xmlns="" val="1"/>
+              <ma14:wrappingTextBoxFlag xmlns="" xmlns:m="http://schemas.openxmlformats.org/officeDocument/2006/math" xmlns:a14="http://schemas.microsoft.com/office/drawing/2010/main" xmlns:ma14="http://schemas.microsoft.com/office/mac/drawingml/2011/main" val="1"/>
             </a:ext>
           </a:extLst>
         </p:spPr>
@@ -11020,6 +12247,16 @@
 <file path=ppt/slides/slide36.xml><?xml version="1.0" encoding="utf-8"?>
 <p:sld xmlns:a="http://schemas.openxmlformats.org/drawingml/2006/main" xmlns:r="http://schemas.openxmlformats.org/officeDocument/2006/relationships" xmlns:p="http://schemas.openxmlformats.org/presentationml/2006/main">
   <p:cSld>
+    <p:bg>
+      <p:bgPr>
+        <a:solidFill>
+          <a:srgbClr val="FFFFFF">
+            <a:alpha val="0"/>
+          </a:srgbClr>
+        </a:solidFill>
+        <a:effectLst/>
+      </p:bgPr>
+    </p:bg>
     <p:spTree>
       <p:nvGrpSpPr>
         <p:cNvPr id="1" name=""/>
@@ -11054,17 +12291,27 @@
           <a:lstStyle/>
           <a:p>
             <a:r>
+              <a:rPr>
+                <a:solidFill>
+                  <a:schemeClr val="tx1"/>
+                </a:solidFill>
+              </a:rPr>
               <a:t>What is software </a:t>
             </a:r>
             <a:r>
               <a:rPr sz="13000">
                 <a:solidFill>
-                  <a:srgbClr val="FEFB27"/>
+                  <a:schemeClr val="tx1"/>
                 </a:solidFill>
               </a:rPr>
               <a:t>productivity</a:t>
             </a:r>
             <a:r>
+              <a:rPr>
+                <a:solidFill>
+                  <a:schemeClr val="tx1"/>
+                </a:solidFill>
+              </a:rPr>
               <a:t>?</a:t>
             </a:r>
           </a:p>
@@ -11110,6 +12357,16 @@
 <file path=ppt/slides/slide37.xml><?xml version="1.0" encoding="utf-8"?>
 <p:sld xmlns:a="http://schemas.openxmlformats.org/drawingml/2006/main" xmlns:r="http://schemas.openxmlformats.org/officeDocument/2006/relationships" xmlns:p="http://schemas.openxmlformats.org/presentationml/2006/main">
   <p:cSld>
+    <p:bg>
+      <p:bgPr>
+        <a:solidFill>
+          <a:srgbClr val="FFFFFF">
+            <a:alpha val="0"/>
+          </a:srgbClr>
+        </a:solidFill>
+        <a:effectLst/>
+      </p:bgPr>
+    </p:bg>
     <p:spTree>
       <p:nvGrpSpPr>
         <p:cNvPr id="1" name=""/>
@@ -11150,6 +12407,11 @@
           </a:lstStyle>
           <a:p>
             <a:r>
+              <a:rPr>
+                <a:solidFill>
+                  <a:schemeClr val="tx1"/>
+                </a:solidFill>
+              </a:rPr>
               <a:t>Productivity aspects, assuming constant functionality and quality</a:t>
             </a:r>
           </a:p>
@@ -11181,12 +12443,17 @@
               <a:defRPr sz="4500"/>
             </a:pPr>
             <a:r>
+              <a:rPr>
+                <a:solidFill>
+                  <a:schemeClr val="tx1"/>
+                </a:solidFill>
+              </a:rPr>
               <a:t>Reduced development </a:t>
             </a:r>
             <a:r>
               <a:rPr>
                 <a:solidFill>
-                  <a:srgbClr val="FEFB27"/>
+                  <a:schemeClr val="tx1"/>
                 </a:solidFill>
               </a:rPr>
               <a:t>cost</a:t>
@@ -11203,6 +12470,11 @@
               <a:defRPr sz="4500"/>
             </a:pPr>
             <a:r>
+              <a:rPr>
+                <a:solidFill>
+                  <a:schemeClr val="tx1"/>
+                </a:solidFill>
+              </a:rPr>
               <a:t>Consuming company wishes to invest little in software</a:t>
             </a:r>
           </a:p>
@@ -11217,6 +12489,11 @@
               <a:defRPr sz="4500"/>
             </a:pPr>
             <a:r>
+              <a:rPr>
+                <a:solidFill>
+                  <a:schemeClr val="tx1"/>
+                </a:solidFill>
+              </a:rPr>
               <a:t>Producing company should offer “inexpensive software" </a:t>
             </a:r>
           </a:p>
@@ -11226,12 +12503,17 @@
               <a:defRPr sz="4500"/>
             </a:pPr>
             <a:r>
+              <a:rPr>
+                <a:solidFill>
+                  <a:schemeClr val="tx1"/>
+                </a:solidFill>
+              </a:rPr>
               <a:t>Reduced development </a:t>
             </a:r>
             <a:r>
               <a:rPr>
                 <a:solidFill>
-                  <a:srgbClr val="FEFB27"/>
+                  <a:schemeClr val="tx1"/>
                 </a:solidFill>
               </a:rPr>
               <a:t>time</a:t>
@@ -11248,6 +12530,11 @@
               <a:defRPr sz="4500"/>
             </a:pPr>
             <a:r>
+              <a:rPr>
+                <a:solidFill>
+                  <a:schemeClr val="tx1"/>
+                </a:solidFill>
+              </a:rPr>
               <a:t>Quick support and attention to market needs</a:t>
             </a:r>
           </a:p>
@@ -11265,6 +12552,16 @@
 <file path=ppt/slides/slide38.xml><?xml version="1.0" encoding="utf-8"?>
 <p:sld xmlns:a="http://schemas.openxmlformats.org/drawingml/2006/main" xmlns:r="http://schemas.openxmlformats.org/officeDocument/2006/relationships" xmlns:p="http://schemas.openxmlformats.org/presentationml/2006/main">
   <p:cSld>
+    <p:bg>
+      <p:bgPr>
+        <a:solidFill>
+          <a:srgbClr val="FFFFFF">
+            <a:alpha val="0"/>
+          </a:srgbClr>
+        </a:solidFill>
+        <a:effectLst/>
+      </p:bgPr>
+    </p:bg>
     <p:spTree>
       <p:nvGrpSpPr>
         <p:cNvPr id="1" name=""/>
@@ -11299,6 +12596,11 @@
           <a:lstStyle/>
           <a:p>
             <a:r>
+              <a:rPr>
+                <a:solidFill>
+                  <a:schemeClr val="tx1"/>
+                </a:solidFill>
+              </a:rPr>
               <a:t>“Inexpensive software”</a:t>
             </a:r>
           </a:p>
@@ -11333,12 +12635,17 @@
               </a:defRPr>
             </a:pPr>
             <a:r>
+              <a:rPr>
+                <a:solidFill>
+                  <a:schemeClr val="tx1"/>
+                </a:solidFill>
+              </a:rPr>
               <a:t>   </a:t>
             </a:r>
             <a:r>
               <a:rPr>
                 <a:solidFill>
-                  <a:srgbClr val="FFFFFF"/>
+                  <a:schemeClr val="tx1"/>
                 </a:solidFill>
               </a:rPr>
               <a:t>Not only a result of lower development costs, but also of the cost distribution among a number of clients</a:t>
@@ -11349,7 +12656,11 @@
               <a:buSzTx/>
               <a:buNone/>
             </a:pPr>
-            <a:endParaRPr/>
+            <a:endParaRPr>
+              <a:solidFill>
+                <a:schemeClr val="tx1"/>
+              </a:solidFill>
+            </a:endParaRPr>
           </a:p>
           <a:p>
             <a:pPr marL="342900" indent="-342900">
@@ -11357,6 +12668,11 @@
               <a:buNone/>
             </a:pPr>
             <a:r>
+              <a:rPr>
+                <a:solidFill>
+                  <a:schemeClr val="tx1"/>
+                </a:solidFill>
+              </a:rPr>
               <a:t> </a:t>
             </a:r>
           </a:p>
@@ -11384,7 +12700,7 @@
           </a:ln>
           <a:extLst>
             <a:ext uri="{C572A759-6A51-4108-AA02-DFA0A04FC94B}">
-              <ma14:wrappingTextBoxFlag xmlns:ma14="http://schemas.microsoft.com/office/mac/drawingml/2011/main" xmlns:a14="http://schemas.microsoft.com/office/drawing/2010/main" xmlns:m="http://schemas.openxmlformats.org/officeDocument/2006/math" xmlns="" val="1"/>
+              <ma14:wrappingTextBoxFlag xmlns="" xmlns:m="http://schemas.openxmlformats.org/officeDocument/2006/math" xmlns:a14="http://schemas.microsoft.com/office/drawing/2010/main" xmlns:ma14="http://schemas.microsoft.com/office/mac/drawingml/2011/main" val="1"/>
             </a:ext>
           </a:extLst>
         </p:spPr>
@@ -11433,6 +12749,16 @@
 <file path=ppt/slides/slide39.xml><?xml version="1.0" encoding="utf-8"?>
 <p:sld xmlns:a="http://schemas.openxmlformats.org/drawingml/2006/main" xmlns:r="http://schemas.openxmlformats.org/officeDocument/2006/relationships" xmlns:p="http://schemas.openxmlformats.org/presentationml/2006/main">
   <p:cSld>
+    <p:bg>
+      <p:bgPr>
+        <a:solidFill>
+          <a:srgbClr val="FFFFFF">
+            <a:alpha val="0"/>
+          </a:srgbClr>
+        </a:solidFill>
+        <a:effectLst/>
+      </p:bgPr>
+    </p:bg>
     <p:spTree>
       <p:nvGrpSpPr>
         <p:cNvPr id="1" name=""/>
@@ -11471,6 +12797,11 @@
           <a:lstStyle/>
           <a:p>
             <a:r>
+              <a:rPr>
+                <a:solidFill>
+                  <a:schemeClr val="tx1"/>
+                </a:solidFill>
+              </a:rPr>
               <a:t>Trade-offs between quality and productivity</a:t>
             </a:r>
           </a:p>
@@ -11503,6 +12834,11 @@
               <a:defRPr sz="4500"/>
             </a:pPr>
             <a:r>
+              <a:rPr>
+                <a:solidFill>
+                  <a:schemeClr val="tx1"/>
+                </a:solidFill>
+              </a:rPr>
               <a:t>Investing too much in quality can reduce productivity in the short term</a:t>
             </a:r>
           </a:p>
@@ -11511,6 +12847,11 @@
               <a:defRPr sz="4500"/>
             </a:pPr>
             <a:r>
+              <a:rPr>
+                <a:solidFill>
+                  <a:schemeClr val="tx1"/>
+                </a:solidFill>
+              </a:rPr>
               <a:t>Neglecting quality can impact productivity even in the short term</a:t>
             </a:r>
           </a:p>
@@ -11519,6 +12860,11 @@
               <a:defRPr sz="4500"/>
             </a:pPr>
             <a:r>
+              <a:rPr>
+                <a:solidFill>
+                  <a:schemeClr val="tx1"/>
+                </a:solidFill>
+              </a:rPr>
               <a:t>Professional ethics should not be part of the trade-off </a:t>
             </a:r>
           </a:p>
@@ -11527,6 +12873,11 @@
               <a:defRPr sz="4500"/>
             </a:pPr>
             <a:r>
+              <a:rPr>
+                <a:solidFill>
+                  <a:schemeClr val="tx1"/>
+                </a:solidFill>
+              </a:rPr>
               <a:t>careful with software that is ethically non-neutral</a:t>
             </a:r>
           </a:p>
@@ -11544,6 +12895,16 @@
 <file path=ppt/slides/slide4.xml><?xml version="1.0" encoding="utf-8"?>
 <p:sld xmlns:a="http://schemas.openxmlformats.org/drawingml/2006/main" xmlns:r="http://schemas.openxmlformats.org/officeDocument/2006/relationships" xmlns:p="http://schemas.openxmlformats.org/presentationml/2006/main">
   <p:cSld>
+    <p:bg>
+      <p:bgPr>
+        <a:solidFill>
+          <a:srgbClr val="FFFFFF">
+            <a:alpha val="0"/>
+          </a:srgbClr>
+        </a:solidFill>
+        <a:effectLst/>
+      </p:bgPr>
+    </p:bg>
     <p:spTree>
       <p:nvGrpSpPr>
         <p:cNvPr id="1" name=""/>
@@ -11585,62 +12946,105 @@
             <a:r>
               <a:rPr>
                 <a:solidFill>
-                  <a:srgbClr val="FFFDA9"/>
+                  <a:schemeClr val="tx1"/>
                 </a:solidFill>
               </a:rPr>
               <a:t>System</a:t>
             </a:r>
             <a:r>
+              <a:rPr>
+                <a:solidFill>
+                  <a:schemeClr val="tx1"/>
+                </a:solidFill>
+              </a:rPr>
               <a:t> </a:t>
             </a:r>
             <a:r>
-              <a:rPr/>
+              <a:rPr>
+                <a:solidFill>
+                  <a:schemeClr val="tx1"/>
+                </a:solidFill>
+              </a:rPr>
               <a:t>= </a:t>
             </a:r>
             <a:r>
               <a:rPr smtClean="0">
                 <a:solidFill>
-                  <a:srgbClr val="FFFDA9"/>
-                </a:solidFill>
-              </a:rPr>
-              <a:t>Software</a:t>
-            </a:r>
-            <a:r>
-              <a:rPr smtClean="0"/>
-              <a:t>+People+Data+Hardware </a:t>
-            </a:r>
-            <a:r>
+                  <a:schemeClr val="tx1"/>
+                </a:solidFill>
+              </a:rPr>
+              <a:t>Software+People+Data+Hardware </a:t>
+            </a:r>
+            <a:r>
+              <a:rPr>
+                <a:solidFill>
+                  <a:schemeClr val="tx1"/>
+                </a:solidFill>
+              </a:rPr>
               <a:t>(computers, sensors</a:t>
             </a:r>
             <a:r>
-              <a:rPr/>
+              <a:rPr>
+                <a:solidFill>
+                  <a:schemeClr val="tx1"/>
+                </a:solidFill>
+              </a:rPr>
               <a:t>, </a:t>
             </a:r>
             <a:r>
-              <a:rPr smtClean="0"/>
+              <a:rPr smtClean="0">
+                <a:solidFill>
+                  <a:schemeClr val="tx1"/>
+                </a:solidFill>
+              </a:rPr>
               <a:t>phones</a:t>
             </a:r>
             <a:r>
-              <a:rPr/>
+              <a:rPr>
+                <a:solidFill>
+                  <a:schemeClr val="tx1"/>
+                </a:solidFill>
+              </a:rPr>
               <a:t>, </a:t>
             </a:r>
             <a:r>
-              <a:rPr lang="en-US" dirty="0" smtClean="0"/>
+              <a:rPr lang="en-US" dirty="0" smtClean="0">
+                <a:solidFill>
+                  <a:schemeClr val="tx1"/>
+                </a:solidFill>
+              </a:rPr>
               <a:t>w</a:t>
             </a:r>
             <a:r>
-              <a:rPr smtClean="0"/>
+              <a:rPr smtClean="0">
+                <a:solidFill>
+                  <a:schemeClr val="tx1"/>
+                </a:solidFill>
+              </a:rPr>
               <a:t>atches,</a:t>
             </a:r>
             <a:r>
-              <a:rPr lang="en-US" dirty="0" smtClean="0"/>
+              <a:rPr lang="en-US" dirty="0" smtClean="0">
+                <a:solidFill>
+                  <a:schemeClr val="tx1"/>
+                </a:solidFill>
+              </a:rPr>
               <a:t> </a:t>
             </a:r>
             <a:r>
-              <a:rPr smtClean="0"/>
+              <a:rPr smtClean="0">
+                <a:solidFill>
+                  <a:schemeClr val="tx1"/>
+                </a:solidFill>
+              </a:rPr>
               <a:t>drones</a:t>
             </a:r>
             <a:r>
+              <a:rPr>
+                <a:solidFill>
+                  <a:schemeClr val="tx1"/>
+                </a:solidFill>
+              </a:rPr>
               <a:t>, etc.) </a:t>
             </a:r>
           </a:p>
@@ -11665,6 +13069,16 @@
 <file path=ppt/slides/slide40.xml><?xml version="1.0" encoding="utf-8"?>
 <p:sld xmlns:a="http://schemas.openxmlformats.org/drawingml/2006/main" xmlns:r="http://schemas.openxmlformats.org/officeDocument/2006/relationships" xmlns:p="http://schemas.openxmlformats.org/presentationml/2006/main">
   <p:cSld>
+    <p:bg>
+      <p:bgPr>
+        <a:solidFill>
+          <a:srgbClr val="FFFFFF">
+            <a:alpha val="0"/>
+          </a:srgbClr>
+        </a:solidFill>
+        <a:effectLst/>
+      </p:bgPr>
+    </p:bg>
     <p:spTree>
       <p:nvGrpSpPr>
         <p:cNvPr id="1" name=""/>
@@ -11703,76 +13117,130 @@
           <a:lstStyle/>
           <a:p>
             <a:r>
-              <a:rPr lang="en-US" dirty="0" smtClean="0"/>
+              <a:rPr lang="en-US" dirty="0" smtClean="0">
+                <a:solidFill>
+                  <a:schemeClr val="tx1"/>
+                </a:solidFill>
+              </a:rPr>
               <a:t>For high </a:t>
             </a:r>
             <a:r>
-              <a:rPr smtClean="0"/>
+              <a:rPr smtClean="0">
+                <a:solidFill>
+                  <a:schemeClr val="tx1"/>
+                </a:solidFill>
+              </a:rPr>
               <a:t>software </a:t>
             </a:r>
             <a:r>
               <a:rPr>
                 <a:solidFill>
-                  <a:srgbClr val="FEFB27"/>
+                  <a:schemeClr val="tx1"/>
                 </a:solidFill>
               </a:rPr>
               <a:t>quality</a:t>
             </a:r>
             <a:r>
+              <a:rPr>
+                <a:solidFill>
+                  <a:schemeClr val="tx1"/>
+                </a:solidFill>
+              </a:rPr>
               <a:t> </a:t>
             </a:r>
             <a:r>
-              <a:rPr/>
+              <a:rPr>
+                <a:solidFill>
+                  <a:schemeClr val="tx1"/>
+                </a:solidFill>
+              </a:rPr>
               <a:t>and </a:t>
             </a:r>
             <a:r>
               <a:rPr smtClean="0">
                 <a:solidFill>
-                  <a:srgbClr val="FEFB27"/>
-                </a:solidFill>
-              </a:rPr>
-              <a:t>productivity</a:t>
-            </a:r>
-            <a:r>
-              <a:rPr smtClean="0"/>
-              <a:t>,</a:t>
-            </a:r>
-            <a:r>
-              <a:rPr lang="en-US" dirty="0" smtClean="0"/>
+                  <a:schemeClr val="tx1"/>
+                </a:solidFill>
+              </a:rPr>
+              <a:t>productivity,</a:t>
+            </a:r>
+            <a:r>
+              <a:rPr lang="en-US" dirty="0" smtClean="0">
+                <a:solidFill>
+                  <a:schemeClr val="tx1"/>
+                </a:solidFill>
+              </a:rPr>
               <a:t> </a:t>
             </a:r>
             <a:r>
-              <a:rPr smtClean="0"/>
+              <a:rPr smtClean="0">
+                <a:solidFill>
+                  <a:schemeClr val="tx1"/>
+                </a:solidFill>
+              </a:rPr>
               <a:t>teams </a:t>
             </a:r>
             <a:r>
+              <a:rPr>
+                <a:solidFill>
+                  <a:schemeClr val="tx1"/>
+                </a:solidFill>
+              </a:rPr>
               <a:t>have to deal with </a:t>
             </a:r>
             <a:r>
-              <a:rPr/>
+              <a:rPr>
+                <a:solidFill>
+                  <a:schemeClr val="tx1"/>
+                </a:solidFill>
+              </a:rPr>
               <a:t>those </a:t>
             </a:r>
             <a:r>
-              <a:rPr smtClean="0"/>
+              <a:rPr smtClean="0">
+                <a:solidFill>
+                  <a:schemeClr val="tx1"/>
+                </a:solidFill>
+              </a:rPr>
               <a:t>issues</a:t>
             </a:r>
             <a:r>
-              <a:rPr lang="en-US" dirty="0" smtClean="0"/>
+              <a:rPr lang="en-US" dirty="0" smtClean="0">
+                <a:solidFill>
+                  <a:schemeClr val="tx1"/>
+                </a:solidFill>
+              </a:rPr>
               <a:t> </a:t>
             </a:r>
             <a:r>
-              <a:rPr smtClean="0"/>
+              <a:rPr smtClean="0">
+                <a:solidFill>
+                  <a:schemeClr val="tx1"/>
+                </a:solidFill>
+              </a:rPr>
               <a:t>professiona</a:t>
             </a:r>
             <a:r>
-              <a:rPr lang="en-US" dirty="0" err="1" smtClean="0"/>
+              <a:rPr lang="en-US" dirty="0" err="1" smtClean="0">
+                <a:solidFill>
+                  <a:schemeClr val="tx1"/>
+                </a:solidFill>
+              </a:rPr>
               <a:t>lly</a:t>
             </a:r>
             <a:r>
-              <a:rPr smtClean="0"/>
+              <a:rPr smtClean="0">
+                <a:solidFill>
+                  <a:schemeClr val="tx1"/>
+                </a:solidFill>
+              </a:rPr>
               <a:t>!</a:t>
             </a:r>
-            <a:endParaRPr/>
+            <a:endParaRPr>
+              <a:solidFill>
+                <a:schemeClr val="tx1"/>
+              </a:solidFill>
+            </a:endParaRPr>
           </a:p>
         </p:txBody>
       </p:sp>
@@ -11788,6 +13256,16 @@
 <file path=ppt/slides/slide41.xml><?xml version="1.0" encoding="utf-8"?>
 <p:sld xmlns:a="http://schemas.openxmlformats.org/drawingml/2006/main" xmlns:r="http://schemas.openxmlformats.org/officeDocument/2006/relationships" xmlns:p="http://schemas.openxmlformats.org/presentationml/2006/main">
   <p:cSld>
+    <p:bg>
+      <p:bgPr>
+        <a:solidFill>
+          <a:srgbClr val="FFFFFF">
+            <a:alpha val="0"/>
+          </a:srgbClr>
+        </a:solidFill>
+        <a:effectLst/>
+      </p:bgPr>
+    </p:bg>
     <p:spTree>
       <p:nvGrpSpPr>
         <p:cNvPr id="1" name=""/>
@@ -11830,6 +13308,11 @@
           </a:lstStyle>
           <a:p>
             <a:r>
+              <a:rPr>
+                <a:solidFill>
+                  <a:schemeClr val="tx1"/>
+                </a:solidFill>
+              </a:rPr>
               <a:t>Take notes, now!</a:t>
             </a:r>
           </a:p>
@@ -11847,6 +13330,16 @@
 <file path=ppt/slides/slide42.xml><?xml version="1.0" encoding="utf-8"?>
 <p:sld xmlns:a="http://schemas.openxmlformats.org/drawingml/2006/main" xmlns:r="http://schemas.openxmlformats.org/officeDocument/2006/relationships" xmlns:p="http://schemas.openxmlformats.org/presentationml/2006/main">
   <p:cSld>
+    <p:bg>
+      <p:bgPr>
+        <a:solidFill>
+          <a:srgbClr val="FFFFFF">
+            <a:alpha val="0"/>
+          </a:srgbClr>
+        </a:solidFill>
+        <a:effectLst/>
+      </p:bgPr>
+    </p:bg>
     <p:spTree>
       <p:nvGrpSpPr>
         <p:cNvPr id="1" name=""/>
@@ -11881,6 +13374,11 @@
           <a:lstStyle/>
           <a:p>
             <a:r>
+              <a:rPr>
+                <a:solidFill>
+                  <a:schemeClr val="tx1"/>
+                </a:solidFill>
+              </a:rPr>
               <a:t>To do after class</a:t>
             </a:r>
           </a:p>
@@ -11913,19 +13411,35 @@
               <a:defRPr sz="3300"/>
             </a:pPr>
             <a:r>
+              <a:rPr>
+                <a:solidFill>
+                  <a:schemeClr val="tx1"/>
+                </a:solidFill>
+              </a:rPr>
               <a:t>Read </a:t>
             </a:r>
             <a:r>
               <a:rPr u="sng">
+                <a:solidFill>
+                  <a:schemeClr val="tx1"/>
+                </a:solidFill>
                 <a:hlinkClick r:id="rId2"/>
               </a:rPr>
               <a:t>Uma longa noite aprendendo</a:t>
             </a:r>
             <a:r>
+              <a:rPr>
+                <a:solidFill>
+                  <a:schemeClr val="tx1"/>
+                </a:solidFill>
+              </a:rPr>
               <a:t>, and Chapter 1 from the </a:t>
             </a:r>
             <a:r>
               <a:rPr u="sng">
+                <a:solidFill>
+                  <a:schemeClr val="tx1"/>
+                </a:solidFill>
                 <a:hlinkClick r:id="rId3"/>
               </a:rPr>
               <a:t>textbook</a:t>
@@ -11936,10 +13450,18 @@
               <a:defRPr sz="3300"/>
             </a:pPr>
             <a:r>
+              <a:rPr>
+                <a:solidFill>
+                  <a:schemeClr val="tx1"/>
+                </a:solidFill>
+              </a:rPr>
               <a:t>Read </a:t>
             </a:r>
             <a:r>
               <a:rPr u="sng">
+                <a:solidFill>
+                  <a:schemeClr val="tx1"/>
+                </a:solidFill>
                 <a:hlinkClick r:id="rId4"/>
               </a:rPr>
               <a:t>Software Engineering Code of Ethics and Professional Practice</a:t>
@@ -11950,10 +13472,18 @@
               <a:defRPr sz="3300"/>
             </a:pPr>
             <a:r>
+              <a:rPr>
+                <a:solidFill>
+                  <a:schemeClr val="tx1"/>
+                </a:solidFill>
+              </a:rPr>
               <a:t>Watch “Na rota do dinheiro sujo”, episode “Emissões mortais”, and </a:t>
             </a:r>
             <a:r>
               <a:rPr u="sng">
+                <a:solidFill>
+                  <a:schemeClr val="tx1"/>
+                </a:solidFill>
                 <a:hlinkClick r:id="rId5"/>
               </a:rPr>
               <a:t>Software powers the world</a:t>
@@ -11964,21 +13494,42 @@
               <a:defRPr sz="3300"/>
             </a:pPr>
             <a:r>
-              <a:rPr smtClean="0"/>
+              <a:rPr smtClean="0">
+                <a:solidFill>
+                  <a:schemeClr val="tx1"/>
+                </a:solidFill>
+              </a:rPr>
               <a:t>Subscribe </a:t>
             </a:r>
             <a:r>
+              <a:rPr>
+                <a:solidFill>
+                  <a:schemeClr val="tx1"/>
+                </a:solidFill>
+              </a:rPr>
               <a:t>to the </a:t>
             </a:r>
             <a:r>
-              <a:rPr/>
+              <a:rPr>
+                <a:solidFill>
+                  <a:schemeClr val="tx1"/>
+                </a:solidFill>
+              </a:rPr>
               <a:t>course </a:t>
             </a:r>
             <a:r>
-              <a:rPr smtClean="0"/>
+              <a:rPr smtClean="0">
+                <a:solidFill>
+                  <a:schemeClr val="tx1"/>
+                </a:solidFill>
+              </a:rPr>
               <a:t>calendar</a:t>
             </a:r>
-            <a:endParaRPr/>
+            <a:endParaRPr>
+              <a:solidFill>
+                <a:schemeClr val="tx1"/>
+              </a:solidFill>
+            </a:endParaRPr>
           </a:p>
         </p:txBody>
       </p:sp>
@@ -11994,6 +13545,16 @@
 <file path=ppt/slides/slide5.xml><?xml version="1.0" encoding="utf-8"?>
 <p:sld xmlns:a="http://schemas.openxmlformats.org/drawingml/2006/main" xmlns:r="http://schemas.openxmlformats.org/officeDocument/2006/relationships" xmlns:p="http://schemas.openxmlformats.org/presentationml/2006/main">
   <p:cSld>
+    <p:bg>
+      <p:bgPr>
+        <a:solidFill>
+          <a:srgbClr val="FFFFFF">
+            <a:alpha val="0"/>
+          </a:srgbClr>
+        </a:solidFill>
+        <a:effectLst/>
+      </p:bgPr>
+    </p:bg>
     <p:spTree>
       <p:nvGrpSpPr>
         <p:cNvPr id="1" name=""/>
@@ -12028,6 +13589,11 @@
           <a:lstStyle/>
           <a:p>
             <a:r>
+              <a:rPr>
+                <a:solidFill>
+                  <a:schemeClr val="tx1"/>
+                </a:solidFill>
+              </a:rPr>
               <a:t>Our society depends on software systems</a:t>
             </a:r>
           </a:p>
@@ -12052,7 +13618,7 @@
           </a:ln>
           <a:extLst>
             <a:ext uri="{C572A759-6A51-4108-AA02-DFA0A04FC94B}">
-              <ma14:wrappingTextBoxFlag xmlns:ma14="http://schemas.microsoft.com/office/mac/drawingml/2011/main" xmlns:a14="http://schemas.microsoft.com/office/drawing/2010/main" xmlns:m="http://schemas.openxmlformats.org/officeDocument/2006/math" xmlns="" val="1"/>
+              <ma14:wrappingTextBoxFlag xmlns="" xmlns:m="http://schemas.openxmlformats.org/officeDocument/2006/math" xmlns:a14="http://schemas.microsoft.com/office/drawing/2010/main" xmlns:ma14="http://schemas.microsoft.com/office/mac/drawingml/2011/main" val="1"/>
             </a:ext>
           </a:extLst>
         </p:spPr>
@@ -12106,7 +13672,7 @@
           </a:ln>
           <a:extLst>
             <a:ext uri="{C572A759-6A51-4108-AA02-DFA0A04FC94B}">
-              <ma14:wrappingTextBoxFlag xmlns:ma14="http://schemas.microsoft.com/office/mac/drawingml/2011/main" xmlns:a14="http://schemas.microsoft.com/office/drawing/2010/main" xmlns:m="http://schemas.openxmlformats.org/officeDocument/2006/math" xmlns="" val="1"/>
+              <ma14:wrappingTextBoxFlag xmlns="" xmlns:m="http://schemas.openxmlformats.org/officeDocument/2006/math" xmlns:a14="http://schemas.microsoft.com/office/drawing/2010/main" xmlns:ma14="http://schemas.microsoft.com/office/mac/drawingml/2011/main" val="1"/>
             </a:ext>
           </a:extLst>
         </p:spPr>
@@ -12169,7 +13735,6 @@
               <a:rPr/>
               <a:t>. </a:t>
             </a:r>
-            <a:endParaRPr/>
           </a:p>
         </p:txBody>
       </p:sp>
@@ -12192,6 +13757,16 @@
 <file path=ppt/slides/slide6.xml><?xml version="1.0" encoding="utf-8"?>
 <p:sld xmlns:a="http://schemas.openxmlformats.org/drawingml/2006/main" xmlns:r="http://schemas.openxmlformats.org/officeDocument/2006/relationships" xmlns:p="http://schemas.openxmlformats.org/presentationml/2006/main">
   <p:cSld>
+    <p:bg>
+      <p:bgPr>
+        <a:solidFill>
+          <a:srgbClr val="FFFFFF">
+            <a:alpha val="0"/>
+          </a:srgbClr>
+        </a:solidFill>
+        <a:effectLst/>
+      </p:bgPr>
+    </p:bg>
     <p:spTree>
       <p:nvGrpSpPr>
         <p:cNvPr id="1" name=""/>
@@ -12226,6 +13801,11 @@
           <a:lstStyle/>
           <a:p>
             <a:r>
+              <a:rPr>
+                <a:solidFill>
+                  <a:schemeClr val="tx1"/>
+                </a:solidFill>
+              </a:rPr>
               <a:t>Our society depends on software systems</a:t>
             </a:r>
           </a:p>
@@ -12250,7 +13830,7 @@
           </a:ln>
           <a:extLst>
             <a:ext uri="{C572A759-6A51-4108-AA02-DFA0A04FC94B}">
-              <ma14:wrappingTextBoxFlag xmlns:ma14="http://schemas.microsoft.com/office/mac/drawingml/2011/main" xmlns:a14="http://schemas.microsoft.com/office/drawing/2010/main" xmlns:m="http://schemas.openxmlformats.org/officeDocument/2006/math" xmlns="" val="1"/>
+              <ma14:wrappingTextBoxFlag xmlns="" xmlns:m="http://schemas.openxmlformats.org/officeDocument/2006/math" xmlns:a14="http://schemas.microsoft.com/office/drawing/2010/main" xmlns:ma14="http://schemas.microsoft.com/office/mac/drawingml/2011/main" val="1"/>
             </a:ext>
           </a:extLst>
         </p:spPr>
@@ -12304,7 +13884,7 @@
           </a:ln>
           <a:extLst>
             <a:ext uri="{C572A759-6A51-4108-AA02-DFA0A04FC94B}">
-              <ma14:wrappingTextBoxFlag xmlns:ma14="http://schemas.microsoft.com/office/mac/drawingml/2011/main" xmlns:a14="http://schemas.microsoft.com/office/drawing/2010/main" xmlns:m="http://schemas.openxmlformats.org/officeDocument/2006/math" xmlns="" val="1"/>
+              <ma14:wrappingTextBoxFlag xmlns="" xmlns:m="http://schemas.openxmlformats.org/officeDocument/2006/math" xmlns:a14="http://schemas.microsoft.com/office/drawing/2010/main" xmlns:ma14="http://schemas.microsoft.com/office/mac/drawingml/2011/main" val="1"/>
             </a:ext>
           </a:extLst>
         </p:spPr>
@@ -12364,7 +13944,7 @@
           </a:ln>
           <a:extLst>
             <a:ext uri="{C572A759-6A51-4108-AA02-DFA0A04FC94B}">
-              <ma14:wrappingTextBoxFlag xmlns:ma14="http://schemas.microsoft.com/office/mac/drawingml/2011/main" xmlns:a14="http://schemas.microsoft.com/office/drawing/2010/main" xmlns:m="http://schemas.openxmlformats.org/officeDocument/2006/math" xmlns="" val="1"/>
+              <ma14:wrappingTextBoxFlag xmlns="" xmlns:m="http://schemas.openxmlformats.org/officeDocument/2006/math" xmlns:a14="http://schemas.microsoft.com/office/drawing/2010/main" xmlns:ma14="http://schemas.microsoft.com/office/mac/drawingml/2011/main" val="1"/>
             </a:ext>
           </a:extLst>
         </p:spPr>
@@ -12440,6 +14020,16 @@
 <file path=ppt/slides/slide7.xml><?xml version="1.0" encoding="utf-8"?>
 <p:sld xmlns:a="http://schemas.openxmlformats.org/drawingml/2006/main" xmlns:r="http://schemas.openxmlformats.org/officeDocument/2006/relationships" xmlns:p="http://schemas.openxmlformats.org/presentationml/2006/main">
   <p:cSld>
+    <p:bg>
+      <p:bgPr>
+        <a:solidFill>
+          <a:srgbClr val="FFFFFF">
+            <a:alpha val="0"/>
+          </a:srgbClr>
+        </a:solidFill>
+        <a:effectLst/>
+      </p:bgPr>
+    </p:bg>
     <p:spTree>
       <p:nvGrpSpPr>
         <p:cNvPr id="1" name=""/>
@@ -12473,7 +14063,7 @@
           </a:ln>
           <a:extLst>
             <a:ext uri="{C572A759-6A51-4108-AA02-DFA0A04FC94B}">
-              <ma14:wrappingTextBoxFlag xmlns:ma14="http://schemas.microsoft.com/office/mac/drawingml/2011/main" xmlns:a14="http://schemas.microsoft.com/office/drawing/2010/main" xmlns:m="http://schemas.openxmlformats.org/officeDocument/2006/math" xmlns="" val="1"/>
+              <ma14:wrappingTextBoxFlag xmlns="" xmlns:m="http://schemas.openxmlformats.org/officeDocument/2006/math" xmlns:a14="http://schemas.microsoft.com/office/drawing/2010/main" xmlns:ma14="http://schemas.microsoft.com/office/mac/drawingml/2011/main" val="1"/>
             </a:ext>
           </a:extLst>
         </p:spPr>
@@ -12556,6 +14146,11 @@
           </a:lstStyle>
           <a:p>
             <a:r>
+              <a:rPr>
+                <a:solidFill>
+                  <a:schemeClr val="tx1"/>
+                </a:solidFill>
+              </a:rPr>
               <a:t>Software and systems engineering is concerned with…</a:t>
             </a:r>
           </a:p>
@@ -12580,6 +14175,16 @@
 <file path=ppt/slides/slide8.xml><?xml version="1.0" encoding="utf-8"?>
 <p:sld xmlns:a="http://schemas.openxmlformats.org/drawingml/2006/main" xmlns:r="http://schemas.openxmlformats.org/officeDocument/2006/relationships" xmlns:p="http://schemas.openxmlformats.org/presentationml/2006/main">
   <p:cSld>
+    <p:bg>
+      <p:bgPr>
+        <a:solidFill>
+          <a:srgbClr val="FFFFFF">
+            <a:alpha val="0"/>
+          </a:srgbClr>
+        </a:solidFill>
+        <a:effectLst/>
+      </p:bgPr>
+    </p:bg>
     <p:spTree>
       <p:nvGrpSpPr>
         <p:cNvPr id="1" name=""/>
@@ -12618,6 +14223,11 @@
           <a:lstStyle/>
           <a:p>
             <a:r>
+              <a:rPr>
+                <a:solidFill>
+                  <a:schemeClr val="tx1"/>
+                </a:solidFill>
+              </a:rPr>
               <a:t>Professional software and systems development</a:t>
             </a:r>
           </a:p>
@@ -12671,7 +14281,7 @@
           </a:ln>
           <a:extLst>
             <a:ext uri="{C572A759-6A51-4108-AA02-DFA0A04FC94B}">
-              <ma14:wrappingTextBoxFlag xmlns:ma14="http://schemas.microsoft.com/office/mac/drawingml/2011/main" xmlns:a14="http://schemas.microsoft.com/office/drawing/2010/main" xmlns:m="http://schemas.openxmlformats.org/officeDocument/2006/math" xmlns="" val="1"/>
+              <ma14:wrappingTextBoxFlag xmlns="" xmlns:m="http://schemas.openxmlformats.org/officeDocument/2006/math" xmlns:a14="http://schemas.microsoft.com/office/drawing/2010/main" xmlns:ma14="http://schemas.microsoft.com/office/mac/drawingml/2011/main" val="1"/>
             </a:ext>
           </a:extLst>
         </p:spPr>
@@ -12750,7 +14360,7 @@
           </a:ln>
           <a:extLst>
             <a:ext uri="{C572A759-6A51-4108-AA02-DFA0A04FC94B}">
-              <ma14:wrappingTextBoxFlag xmlns:ma14="http://schemas.microsoft.com/office/mac/drawingml/2011/main" xmlns:a14="http://schemas.microsoft.com/office/drawing/2010/main" xmlns:m="http://schemas.openxmlformats.org/officeDocument/2006/math" xmlns="" val="1"/>
+              <ma14:wrappingTextBoxFlag xmlns="" xmlns:m="http://schemas.openxmlformats.org/officeDocument/2006/math" xmlns:a14="http://schemas.microsoft.com/office/drawing/2010/main" xmlns:ma14="http://schemas.microsoft.com/office/mac/drawingml/2011/main" val="1"/>
             </a:ext>
           </a:extLst>
         </p:spPr>
@@ -12800,6 +14410,16 @@
 <file path=ppt/slides/slide9.xml><?xml version="1.0" encoding="utf-8"?>
 <p:sld xmlns:a="http://schemas.openxmlformats.org/drawingml/2006/main" xmlns:r="http://schemas.openxmlformats.org/officeDocument/2006/relationships" xmlns:p="http://schemas.openxmlformats.org/presentationml/2006/main">
   <p:cSld>
+    <p:bg>
+      <p:bgPr>
+        <a:solidFill>
+          <a:srgbClr val="FFFFFF">
+            <a:alpha val="0"/>
+          </a:srgbClr>
+        </a:solidFill>
+        <a:effectLst/>
+      </p:bgPr>
+    </p:bg>
     <p:spTree>
       <p:nvGrpSpPr>
         <p:cNvPr id="1" name=""/>
@@ -12838,6 +14458,11 @@
           <a:lstStyle/>
           <a:p>
             <a:r>
+              <a:rPr>
+                <a:solidFill>
+                  <a:schemeClr val="tx1"/>
+                </a:solidFill>
+              </a:rPr>
               <a:t>It’s not about small versus large</a:t>
             </a:r>
           </a:p>
@@ -12891,7 +14516,7 @@
           </a:ln>
           <a:extLst>
             <a:ext uri="{C572A759-6A51-4108-AA02-DFA0A04FC94B}">
-              <ma14:wrappingTextBoxFlag xmlns:ma14="http://schemas.microsoft.com/office/mac/drawingml/2011/main" xmlns:a14="http://schemas.microsoft.com/office/drawing/2010/main" xmlns:m="http://schemas.openxmlformats.org/officeDocument/2006/math" xmlns="" val="1"/>
+              <ma14:wrappingTextBoxFlag xmlns="" xmlns:m="http://schemas.openxmlformats.org/officeDocument/2006/math" xmlns:a14="http://schemas.microsoft.com/office/drawing/2010/main" xmlns:ma14="http://schemas.microsoft.com/office/mac/drawingml/2011/main" val="1"/>
             </a:ext>
           </a:extLst>
         </p:spPr>
@@ -15092,4 +16717,287 @@
   </a:objectDefaults>
   <a:extraClrSchemeLst/>
 </a:theme>
+</file>
+
+<file path=ppt/theme/theme3.xml><?xml version="1.0" encoding="utf-8"?>
+<a:theme xmlns:a="http://schemas.openxmlformats.org/drawingml/2006/main" name="Tema do Office">
+  <a:themeElements>
+    <a:clrScheme name="Escritório">
+      <a:dk1>
+        <a:sysClr val="windowText" lastClr="000000"/>
+      </a:dk1>
+      <a:lt1>
+        <a:sysClr val="window" lastClr="FFFFFF"/>
+      </a:lt1>
+      <a:dk2>
+        <a:srgbClr val="1F497D"/>
+      </a:dk2>
+      <a:lt2>
+        <a:srgbClr val="EEECE1"/>
+      </a:lt2>
+      <a:accent1>
+        <a:srgbClr val="4F81BD"/>
+      </a:accent1>
+      <a:accent2>
+        <a:srgbClr val="C0504D"/>
+      </a:accent2>
+      <a:accent3>
+        <a:srgbClr val="9BBB59"/>
+      </a:accent3>
+      <a:accent4>
+        <a:srgbClr val="8064A2"/>
+      </a:accent4>
+      <a:accent5>
+        <a:srgbClr val="4BACC6"/>
+      </a:accent5>
+      <a:accent6>
+        <a:srgbClr val="F79646"/>
+      </a:accent6>
+      <a:hlink>
+        <a:srgbClr val="0000FF"/>
+      </a:hlink>
+      <a:folHlink>
+        <a:srgbClr val="800080"/>
+      </a:folHlink>
+    </a:clrScheme>
+    <a:fontScheme name="Escritório">
+      <a:majorFont>
+        <a:latin typeface="Calibri"/>
+        <a:ea typeface=""/>
+        <a:cs typeface=""/>
+        <a:font script="Jpan" typeface="ＭＳ Ｐゴシック"/>
+        <a:font script="Hang" typeface="맑은 고딕"/>
+        <a:font script="Hans" typeface="宋体"/>
+        <a:font script="Hant" typeface="新細明體"/>
+        <a:font script="Arab" typeface="Times New Roman"/>
+        <a:font script="Hebr" typeface="Times New Roman"/>
+        <a:font script="Thai" typeface="Angsana New"/>
+        <a:font script="Ethi" typeface="Nyala"/>
+        <a:font script="Beng" typeface="Vrinda"/>
+        <a:font script="Gujr" typeface="Shruti"/>
+        <a:font script="Khmr" typeface="MoolBoran"/>
+        <a:font script="Knda" typeface="Tunga"/>
+        <a:font script="Guru" typeface="Raavi"/>
+        <a:font script="Cans" typeface="Euphemia"/>
+        <a:font script="Cher" typeface="Plantagenet Cherokee"/>
+        <a:font script="Yiii" typeface="Microsoft Yi Baiti"/>
+        <a:font script="Tibt" typeface="Microsoft Himalaya"/>
+        <a:font script="Thaa" typeface="MV Boli"/>
+        <a:font script="Deva" typeface="Mangal"/>
+        <a:font script="Telu" typeface="Gautami"/>
+        <a:font script="Taml" typeface="Latha"/>
+        <a:font script="Syrc" typeface="Estrangelo Edessa"/>
+        <a:font script="Orya" typeface="Kalinga"/>
+        <a:font script="Mlym" typeface="Kartika"/>
+        <a:font script="Laoo" typeface="DokChampa"/>
+        <a:font script="Sinh" typeface="Iskoola Pota"/>
+        <a:font script="Mong" typeface="Mongolian Baiti"/>
+        <a:font script="Viet" typeface="Times New Roman"/>
+        <a:font script="Uigh" typeface="Microsoft Uighur"/>
+      </a:majorFont>
+      <a:minorFont>
+        <a:latin typeface="Calibri"/>
+        <a:ea typeface=""/>
+        <a:cs typeface=""/>
+        <a:font script="Jpan" typeface="ＭＳ Ｐゴシック"/>
+        <a:font script="Hang" typeface="맑은 고딕"/>
+        <a:font script="Hans" typeface="宋体"/>
+        <a:font script="Hant" typeface="新細明體"/>
+        <a:font script="Arab" typeface="Arial"/>
+        <a:font script="Hebr" typeface="Arial"/>
+        <a:font script="Thai" typeface="Cordia New"/>
+        <a:font script="Ethi" typeface="Nyala"/>
+        <a:font script="Beng" typeface="Vrinda"/>
+        <a:font script="Gujr" typeface="Shruti"/>
+        <a:font script="Khmr" typeface="DaunPenh"/>
+        <a:font script="Knda" typeface="Tunga"/>
+        <a:font script="Guru" typeface="Raavi"/>
+        <a:font script="Cans" typeface="Euphemia"/>
+        <a:font script="Cher" typeface="Plantagenet Cherokee"/>
+        <a:font script="Yiii" typeface="Microsoft Yi Baiti"/>
+        <a:font script="Tibt" typeface="Microsoft Himalaya"/>
+        <a:font script="Thaa" typeface="MV Boli"/>
+        <a:font script="Deva" typeface="Mangal"/>
+        <a:font script="Telu" typeface="Gautami"/>
+        <a:font script="Taml" typeface="Latha"/>
+        <a:font script="Syrc" typeface="Estrangelo Edessa"/>
+        <a:font script="Orya" typeface="Kalinga"/>
+        <a:font script="Mlym" typeface="Kartika"/>
+        <a:font script="Laoo" typeface="DokChampa"/>
+        <a:font script="Sinh" typeface="Iskoola Pota"/>
+        <a:font script="Mong" typeface="Mongolian Baiti"/>
+        <a:font script="Viet" typeface="Arial"/>
+        <a:font script="Uigh" typeface="Microsoft Uighur"/>
+      </a:minorFont>
+    </a:fontScheme>
+    <a:fmtScheme name="Escritório">
+      <a:fillStyleLst>
+        <a:solidFill>
+          <a:schemeClr val="phClr"/>
+        </a:solidFill>
+        <a:gradFill rotWithShape="1">
+          <a:gsLst>
+            <a:gs pos="0">
+              <a:schemeClr val="phClr">
+                <a:tint val="50000"/>
+                <a:satMod val="300000"/>
+              </a:schemeClr>
+            </a:gs>
+            <a:gs pos="35000">
+              <a:schemeClr val="phClr">
+                <a:tint val="37000"/>
+                <a:satMod val="300000"/>
+              </a:schemeClr>
+            </a:gs>
+            <a:gs pos="100000">
+              <a:schemeClr val="phClr">
+                <a:tint val="15000"/>
+                <a:satMod val="350000"/>
+              </a:schemeClr>
+            </a:gs>
+          </a:gsLst>
+          <a:lin ang="16200000" scaled="1"/>
+        </a:gradFill>
+        <a:gradFill rotWithShape="1">
+          <a:gsLst>
+            <a:gs pos="0">
+              <a:schemeClr val="phClr">
+                <a:shade val="51000"/>
+                <a:satMod val="130000"/>
+              </a:schemeClr>
+            </a:gs>
+            <a:gs pos="80000">
+              <a:schemeClr val="phClr">
+                <a:shade val="93000"/>
+                <a:satMod val="130000"/>
+              </a:schemeClr>
+            </a:gs>
+            <a:gs pos="100000">
+              <a:schemeClr val="phClr">
+                <a:shade val="94000"/>
+                <a:satMod val="135000"/>
+              </a:schemeClr>
+            </a:gs>
+          </a:gsLst>
+          <a:lin ang="16200000" scaled="0"/>
+        </a:gradFill>
+      </a:fillStyleLst>
+      <a:lnStyleLst>
+        <a:ln w="9525" cap="flat" cmpd="sng" algn="ctr">
+          <a:solidFill>
+            <a:schemeClr val="phClr">
+              <a:shade val="95000"/>
+              <a:satMod val="105000"/>
+            </a:schemeClr>
+          </a:solidFill>
+          <a:prstDash val="solid"/>
+        </a:ln>
+        <a:ln w="25400" cap="flat" cmpd="sng" algn="ctr">
+          <a:solidFill>
+            <a:schemeClr val="phClr"/>
+          </a:solidFill>
+          <a:prstDash val="solid"/>
+        </a:ln>
+        <a:ln w="38100" cap="flat" cmpd="sng" algn="ctr">
+          <a:solidFill>
+            <a:schemeClr val="phClr"/>
+          </a:solidFill>
+          <a:prstDash val="solid"/>
+        </a:ln>
+      </a:lnStyleLst>
+      <a:effectStyleLst>
+        <a:effectStyle>
+          <a:effectLst>
+            <a:outerShdw blurRad="40000" dist="20000" dir="5400000" rotWithShape="0">
+              <a:srgbClr val="000000">
+                <a:alpha val="38000"/>
+              </a:srgbClr>
+            </a:outerShdw>
+          </a:effectLst>
+        </a:effectStyle>
+        <a:effectStyle>
+          <a:effectLst>
+            <a:outerShdw blurRad="40000" dist="23000" dir="5400000" rotWithShape="0">
+              <a:srgbClr val="000000">
+                <a:alpha val="35000"/>
+              </a:srgbClr>
+            </a:outerShdw>
+          </a:effectLst>
+        </a:effectStyle>
+        <a:effectStyle>
+          <a:effectLst>
+            <a:outerShdw blurRad="40000" dist="23000" dir="5400000" rotWithShape="0">
+              <a:srgbClr val="000000">
+                <a:alpha val="35000"/>
+              </a:srgbClr>
+            </a:outerShdw>
+          </a:effectLst>
+          <a:scene3d>
+            <a:camera prst="orthographicFront">
+              <a:rot lat="0" lon="0" rev="0"/>
+            </a:camera>
+            <a:lightRig rig="threePt" dir="t">
+              <a:rot lat="0" lon="0" rev="1200000"/>
+            </a:lightRig>
+          </a:scene3d>
+          <a:sp3d>
+            <a:bevelT w="63500" h="25400"/>
+          </a:sp3d>
+        </a:effectStyle>
+      </a:effectStyleLst>
+      <a:bgFillStyleLst>
+        <a:solidFill>
+          <a:schemeClr val="phClr"/>
+        </a:solidFill>
+        <a:gradFill rotWithShape="1">
+          <a:gsLst>
+            <a:gs pos="0">
+              <a:schemeClr val="phClr">
+                <a:tint val="40000"/>
+                <a:satMod val="350000"/>
+              </a:schemeClr>
+            </a:gs>
+            <a:gs pos="40000">
+              <a:schemeClr val="phClr">
+                <a:tint val="45000"/>
+                <a:shade val="99000"/>
+                <a:satMod val="350000"/>
+              </a:schemeClr>
+            </a:gs>
+            <a:gs pos="100000">
+              <a:schemeClr val="phClr">
+                <a:shade val="20000"/>
+                <a:satMod val="255000"/>
+              </a:schemeClr>
+            </a:gs>
+          </a:gsLst>
+          <a:path path="circle">
+            <a:fillToRect l="50000" t="-80000" r="50000" b="180000"/>
+          </a:path>
+        </a:gradFill>
+        <a:gradFill rotWithShape="1">
+          <a:gsLst>
+            <a:gs pos="0">
+              <a:schemeClr val="phClr">
+                <a:tint val="80000"/>
+                <a:satMod val="300000"/>
+              </a:schemeClr>
+            </a:gs>
+            <a:gs pos="100000">
+              <a:schemeClr val="phClr">
+                <a:shade val="30000"/>
+                <a:satMod val="200000"/>
+              </a:schemeClr>
+            </a:gs>
+          </a:gsLst>
+          <a:path path="circle">
+            <a:fillToRect l="50000" t="50000" r="50000" b="50000"/>
+          </a:path>
+        </a:gradFill>
+      </a:bgFillStyleLst>
+    </a:fmtScheme>
+  </a:themeElements>
+  <a:objectDefaults/>
+  <a:extraClrSchemeLst/>
+</a:theme>
 </file>